--- a/day1/Agenda.pptx
+++ b/day1/Agenda.pptx
@@ -7,6 +7,7 @@
   <p:sldIdLst>
     <p:sldId id="256" r:id="rId2"/>
     <p:sldId id="257" r:id="rId3"/>
+    <p:sldId id="258" r:id="rId4"/>
   </p:sldIdLst>
   <p:sldSz cx="12192000" cy="6858000"/>
   <p:notesSz cx="6858000" cy="9144000"/>
@@ -105,6 +106,11 @@
       </a:defRPr>
     </a:lvl9pPr>
   </p:defaultTextStyle>
+  <p:extLst>
+    <p:ext uri="{EFAFB233-063F-42B5-8137-9DF3F51BA10A}">
+      <p15:sldGuideLst xmlns:p15="http://schemas.microsoft.com/office/powerpoint/2012/main"/>
+    </p:ext>
+  </p:extLst>
 </p:presentation>
 </file>
 
@@ -255,7 +261,7 @@
           <a:p>
             <a:fld id="{DEC8558D-7E10-584E-BEE2-BF9C0EA4F725}" type="datetimeFigureOut">
               <a:rPr lang="en-US" smtClean="0"/>
-              <a:t>5/12/18</a:t>
+              <a:t>5/13/18</a:t>
             </a:fld>
             <a:endParaRPr lang="en-US"/>
           </a:p>
@@ -453,7 +459,7 @@
           <a:p>
             <a:fld id="{DEC8558D-7E10-584E-BEE2-BF9C0EA4F725}" type="datetimeFigureOut">
               <a:rPr lang="en-US" smtClean="0"/>
-              <a:t>5/12/18</a:t>
+              <a:t>5/13/18</a:t>
             </a:fld>
             <a:endParaRPr lang="en-US"/>
           </a:p>
@@ -661,7 +667,7 @@
           <a:p>
             <a:fld id="{DEC8558D-7E10-584E-BEE2-BF9C0EA4F725}" type="datetimeFigureOut">
               <a:rPr lang="en-US" smtClean="0"/>
-              <a:t>5/12/18</a:t>
+              <a:t>5/13/18</a:t>
             </a:fld>
             <a:endParaRPr lang="en-US"/>
           </a:p>
@@ -859,7 +865,7 @@
           <a:p>
             <a:fld id="{DEC8558D-7E10-584E-BEE2-BF9C0EA4F725}" type="datetimeFigureOut">
               <a:rPr lang="en-US" smtClean="0"/>
-              <a:t>5/12/18</a:t>
+              <a:t>5/13/18</a:t>
             </a:fld>
             <a:endParaRPr lang="en-US"/>
           </a:p>
@@ -1134,7 +1140,7 @@
           <a:p>
             <a:fld id="{DEC8558D-7E10-584E-BEE2-BF9C0EA4F725}" type="datetimeFigureOut">
               <a:rPr lang="en-US" smtClean="0"/>
-              <a:t>5/12/18</a:t>
+              <a:t>5/13/18</a:t>
             </a:fld>
             <a:endParaRPr lang="en-US"/>
           </a:p>
@@ -1399,7 +1405,7 @@
           <a:p>
             <a:fld id="{DEC8558D-7E10-584E-BEE2-BF9C0EA4F725}" type="datetimeFigureOut">
               <a:rPr lang="en-US" smtClean="0"/>
-              <a:t>5/12/18</a:t>
+              <a:t>5/13/18</a:t>
             </a:fld>
             <a:endParaRPr lang="en-US"/>
           </a:p>
@@ -1811,7 +1817,7 @@
           <a:p>
             <a:fld id="{DEC8558D-7E10-584E-BEE2-BF9C0EA4F725}" type="datetimeFigureOut">
               <a:rPr lang="en-US" smtClean="0"/>
-              <a:t>5/12/18</a:t>
+              <a:t>5/13/18</a:t>
             </a:fld>
             <a:endParaRPr lang="en-US"/>
           </a:p>
@@ -1952,7 +1958,7 @@
           <a:p>
             <a:fld id="{DEC8558D-7E10-584E-BEE2-BF9C0EA4F725}" type="datetimeFigureOut">
               <a:rPr lang="en-US" smtClean="0"/>
-              <a:t>5/12/18</a:t>
+              <a:t>5/13/18</a:t>
             </a:fld>
             <a:endParaRPr lang="en-US"/>
           </a:p>
@@ -2065,7 +2071,7 @@
           <a:p>
             <a:fld id="{DEC8558D-7E10-584E-BEE2-BF9C0EA4F725}" type="datetimeFigureOut">
               <a:rPr lang="en-US" smtClean="0"/>
-              <a:t>5/12/18</a:t>
+              <a:t>5/13/18</a:t>
             </a:fld>
             <a:endParaRPr lang="en-US"/>
           </a:p>
@@ -2376,7 +2382,7 @@
           <a:p>
             <a:fld id="{DEC8558D-7E10-584E-BEE2-BF9C0EA4F725}" type="datetimeFigureOut">
               <a:rPr lang="en-US" smtClean="0"/>
-              <a:t>5/12/18</a:t>
+              <a:t>5/13/18</a:t>
             </a:fld>
             <a:endParaRPr lang="en-US"/>
           </a:p>
@@ -2664,7 +2670,7 @@
           <a:p>
             <a:fld id="{DEC8558D-7E10-584E-BEE2-BF9C0EA4F725}" type="datetimeFigureOut">
               <a:rPr lang="en-US" smtClean="0"/>
-              <a:t>5/12/18</a:t>
+              <a:t>5/13/18</a:t>
             </a:fld>
             <a:endParaRPr lang="en-US"/>
           </a:p>
@@ -2905,7 +2911,7 @@
           <a:p>
             <a:fld id="{DEC8558D-7E10-584E-BEE2-BF9C0EA4F725}" type="datetimeFigureOut">
               <a:rPr lang="en-US" smtClean="0"/>
-              <a:t>5/12/18</a:t>
+              <a:t>5/13/18</a:t>
             </a:fld>
             <a:endParaRPr lang="en-US"/>
           </a:p>
@@ -3474,7 +3480,7 @@
         </p:spPr>
         <p:txBody>
           <a:bodyPr>
-            <a:normAutofit fontScale="55000" lnSpcReduction="20000"/>
+            <a:normAutofit fontScale="62500" lnSpcReduction="20000"/>
           </a:bodyPr>
           <a:lstStyle/>
           <a:p>
@@ -3688,40 +3694,20 @@
         </p:spPr>
         <p:txBody>
           <a:bodyPr>
-            <a:normAutofit fontScale="55000" lnSpcReduction="20000"/>
+            <a:normAutofit fontScale="62500" lnSpcReduction="20000"/>
           </a:bodyPr>
           <a:lstStyle/>
           <a:p>
             <a:r>
               <a:rPr lang="en-US" sz="2900" dirty="0"/>
-              <a:t>Day 3: focus on operations and leave time for other interesting labs and topics</a:t>
+              <a:t>Day 3: </a:t>
             </a:r>
           </a:p>
           <a:p>
             <a:pPr lvl="1"/>
             <a:r>
               <a:rPr lang="en-US" sz="2600" dirty="0"/>
-              <a:t>Deployment of models using containers - </a:t>
-            </a:r>
-            <a:r>
-              <a:rPr lang="en-US" sz="2600" dirty="0">
-                <a:hlinkClick r:id="rId2"/>
-              </a:rPr>
-              <a:t>@Sanjeev Dwivedi</a:t>
-            </a:r>
-            <a:r>
-              <a:rPr lang="en-US" sz="2600" dirty="0"/>
-              <a:t>, </a:t>
-            </a:r>
-            <a:r>
-              <a:rPr lang="en-US" sz="2600" dirty="0">
-                <a:hlinkClick r:id="rId3"/>
-              </a:rPr>
-              <a:t>@Prashant Karbhari</a:t>
-            </a:r>
-            <a:r>
-              <a:rPr lang="en-US" sz="2600" dirty="0"/>
-              <a:t> you are the only ones who cracked this so far. Are you still up for presenting / demoing? Do you have time to write a lab?</a:t>
+              <a:t>Deployment of models using containers</a:t>
             </a:r>
           </a:p>
           <a:p>
@@ -3734,10 +3720,7 @@
               <a:rPr lang="en-US" sz="2600" dirty="0" err="1"/>
               <a:t>MLServer</a:t>
             </a:r>
-            <a:r>
-              <a:rPr lang="en-US" sz="2600" dirty="0"/>
-              <a:t> – GM to write</a:t>
-            </a:r>
+            <a:endParaRPr lang="en-US" sz="2600" dirty="0"/>
           </a:p>
           <a:p>
             <a:pPr lvl="1"/>
@@ -3745,24 +3728,6 @@
               <a:rPr lang="en-US" sz="2600" dirty="0"/>
               <a:t>Introduction to cognitive services </a:t>
             </a:r>
-            <a:r>
-              <a:rPr lang="en-US" sz="2600" dirty="0">
-                <a:hlinkClick r:id="rId3"/>
-              </a:rPr>
-              <a:t>@Prashant Karbhari</a:t>
-            </a:r>
-            <a:r>
-              <a:rPr lang="en-US" sz="2600" dirty="0"/>
-              <a:t> are you still interested in presenting this and offering some code samples? We’ve just announced </a:t>
-            </a:r>
-            <a:r>
-              <a:rPr lang="en-US" sz="2600" dirty="0" err="1"/>
-              <a:t>bing</a:t>
-            </a:r>
-            <a:r>
-              <a:rPr lang="en-US" sz="2600" dirty="0"/>
-              <a:t> visual search. A quick demo would be cool, but I have not looked into it yet</a:t>
-            </a:r>
           </a:p>
           <a:p>
             <a:pPr lvl="1"/>
@@ -3790,35 +3755,28 @@
             <a:pPr lvl="2"/>
             <a:r>
               <a:rPr lang="en-US" sz="2200" dirty="0"/>
-              <a:t> Generative Antagonistic Networks (lab)</a:t>
+              <a:t>Generative Antagonistic Networks (lab)</a:t>
             </a:r>
           </a:p>
           <a:p>
             <a:pPr lvl="2"/>
             <a:r>
               <a:rPr lang="en-US" sz="2200" dirty="0"/>
-              <a:t>recommendation with autoencoders – GM to write</a:t>
+              <a:t>Recommendation with autoencoders </a:t>
             </a:r>
           </a:p>
           <a:p>
             <a:pPr lvl="2"/>
             <a:r>
               <a:rPr lang="en-US" sz="2200" dirty="0"/>
-              <a:t>visual search with CNNs and cosine vs. Euclidean distance – GM to write</a:t>
+              <a:t>Visual search with CNNs and cosine vs. Euclidean distance </a:t>
             </a:r>
           </a:p>
           <a:p>
             <a:pPr lvl="2"/>
             <a:r>
               <a:rPr lang="en-US" sz="2200" dirty="0"/>
-              <a:t>time series forecasting with RNNs – GM to write</a:t>
-            </a:r>
-          </a:p>
-          <a:p>
-            <a:pPr lvl="2"/>
-            <a:r>
-              <a:rPr lang="en-US" sz="2200" dirty="0"/>
-              <a:t> Any other idea you’d like to present?</a:t>
+              <a:t>Time series forecasting with RNNs</a:t>
             </a:r>
           </a:p>
           <a:p>
@@ -3834,6 +3792,149 @@
     <p:extLst>
       <p:ext uri="{BB962C8B-B14F-4D97-AF65-F5344CB8AC3E}">
         <p14:creationId xmlns:p14="http://schemas.microsoft.com/office/powerpoint/2010/main" val="961279236"/>
+      </p:ext>
+    </p:extLst>
+  </p:cSld>
+  <p:clrMapOvr>
+    <a:masterClrMapping/>
+  </p:clrMapOvr>
+</p:sld>
+</file>
+
+<file path=ppt/slides/slide3.xml><?xml version="1.0" encoding="utf-8"?>
+<p:sld xmlns:a="http://schemas.openxmlformats.org/drawingml/2006/main" xmlns:r="http://schemas.openxmlformats.org/officeDocument/2006/relationships" xmlns:p="http://schemas.openxmlformats.org/presentationml/2006/main">
+  <p:cSld>
+    <p:spTree>
+      <p:nvGrpSpPr>
+        <p:cNvPr id="1" name=""/>
+        <p:cNvGrpSpPr/>
+        <p:nvPr/>
+      </p:nvGrpSpPr>
+      <p:grpSpPr>
+        <a:xfrm>
+          <a:off x="0" y="0"/>
+          <a:ext cx="0" cy="0"/>
+          <a:chOff x="0" y="0"/>
+          <a:chExt cx="0" cy="0"/>
+        </a:xfrm>
+      </p:grpSpPr>
+      <p:sp>
+        <p:nvSpPr>
+          <p:cNvPr id="5" name="Title 4">
+            <a:extLst>
+              <a:ext uri="{FF2B5EF4-FFF2-40B4-BE49-F238E27FC236}">
+                <a16:creationId xmlns:a16="http://schemas.microsoft.com/office/drawing/2014/main" id="{3A25EF84-C7F0-8246-81EA-0939CCE25077}"/>
+              </a:ext>
+            </a:extLst>
+          </p:cNvPr>
+          <p:cNvSpPr>
+            <a:spLocks noGrp="1"/>
+          </p:cNvSpPr>
+          <p:nvPr>
+            <p:ph type="title"/>
+          </p:nvPr>
+        </p:nvSpPr>
+        <p:spPr/>
+        <p:txBody>
+          <a:bodyPr/>
+          <a:lstStyle/>
+          <a:p>
+            <a:r>
+              <a:rPr lang="en-US" dirty="0"/>
+              <a:t>Acknowledgements</a:t>
+            </a:r>
+          </a:p>
+        </p:txBody>
+      </p:sp>
+      <p:sp>
+        <p:nvSpPr>
+          <p:cNvPr id="6" name="Content Placeholder 5">
+            <a:extLst>
+              <a:ext uri="{FF2B5EF4-FFF2-40B4-BE49-F238E27FC236}">
+                <a16:creationId xmlns:a16="http://schemas.microsoft.com/office/drawing/2014/main" id="{D3B1BB7D-FCB4-524A-BB73-BD44658F64B2}"/>
+              </a:ext>
+            </a:extLst>
+          </p:cNvPr>
+          <p:cNvSpPr>
+            <a:spLocks noGrp="1"/>
+          </p:cNvSpPr>
+          <p:nvPr>
+            <p:ph idx="1"/>
+          </p:nvPr>
+        </p:nvSpPr>
+        <p:spPr/>
+        <p:txBody>
+          <a:bodyPr/>
+          <a:lstStyle/>
+          <a:p>
+            <a:r>
+              <a:rPr lang="en-US" dirty="0"/>
+              <a:t>Ian </a:t>
+            </a:r>
+            <a:r>
+              <a:rPr lang="en-US" dirty="0" err="1"/>
+              <a:t>Goodfellow</a:t>
+            </a:r>
+            <a:r>
+              <a:rPr lang="en-US" dirty="0"/>
+              <a:t> – the legend</a:t>
+            </a:r>
+          </a:p>
+          <a:p>
+            <a:r>
+              <a:rPr lang="en-US" dirty="0"/>
+              <a:t>Ali Zaidi – whose material we “adapted”</a:t>
+            </a:r>
+          </a:p>
+          <a:p>
+            <a:r>
+              <a:rPr lang="en-US" dirty="0" err="1"/>
+              <a:t>Mithun</a:t>
+            </a:r>
+            <a:r>
+              <a:rPr lang="en-US" dirty="0"/>
+              <a:t> Prasad – for even more material</a:t>
+            </a:r>
+          </a:p>
+          <a:p>
+            <a:r>
+              <a:rPr lang="en-US" dirty="0"/>
+              <a:t>James McCaffrey – MSR for the hard-core core NN explanation</a:t>
+            </a:r>
+          </a:p>
+          <a:p>
+            <a:r>
+              <a:rPr lang="en-US" dirty="0" err="1"/>
+              <a:t>Asli</a:t>
+            </a:r>
+            <a:r>
+              <a:rPr lang="en-US" dirty="0"/>
+              <a:t> </a:t>
+            </a:r>
+            <a:r>
+              <a:rPr lang="en-US" dirty="0" err="1"/>
+              <a:t>Celikyilmaz</a:t>
+            </a:r>
+            <a:r>
+              <a:rPr lang="en-US" dirty="0"/>
+              <a:t> – MSR for the GAN explanation</a:t>
+            </a:r>
+          </a:p>
+          <a:p>
+            <a:r>
+              <a:rPr lang="en-US" dirty="0"/>
+              <a:t>… and many more</a:t>
+            </a:r>
+          </a:p>
+          <a:p>
+            <a:endParaRPr lang="en-US" dirty="0"/>
+          </a:p>
+        </p:txBody>
+      </p:sp>
+    </p:spTree>
+    <p:extLst>
+      <p:ext uri="{BB962C8B-B14F-4D97-AF65-F5344CB8AC3E}">
+        <p14:creationId xmlns:p14="http://schemas.microsoft.com/office/powerpoint/2010/main" val="889006159"/>
       </p:ext>
     </p:extLst>
   </p:cSld>

--- a/day1/Agenda.pptx
+++ b/day1/Agenda.pptx
@@ -261,7 +261,7 @@
           <a:p>
             <a:fld id="{DEC8558D-7E10-584E-BEE2-BF9C0EA4F725}" type="datetimeFigureOut">
               <a:rPr lang="en-US" smtClean="0"/>
-              <a:t>5/13/18</a:t>
+              <a:t>5/18/18</a:t>
             </a:fld>
             <a:endParaRPr lang="en-US"/>
           </a:p>
@@ -459,7 +459,7 @@
           <a:p>
             <a:fld id="{DEC8558D-7E10-584E-BEE2-BF9C0EA4F725}" type="datetimeFigureOut">
               <a:rPr lang="en-US" smtClean="0"/>
-              <a:t>5/13/18</a:t>
+              <a:t>5/18/18</a:t>
             </a:fld>
             <a:endParaRPr lang="en-US"/>
           </a:p>
@@ -667,7 +667,7 @@
           <a:p>
             <a:fld id="{DEC8558D-7E10-584E-BEE2-BF9C0EA4F725}" type="datetimeFigureOut">
               <a:rPr lang="en-US" smtClean="0"/>
-              <a:t>5/13/18</a:t>
+              <a:t>5/18/18</a:t>
             </a:fld>
             <a:endParaRPr lang="en-US"/>
           </a:p>
@@ -865,7 +865,7 @@
           <a:p>
             <a:fld id="{DEC8558D-7E10-584E-BEE2-BF9C0EA4F725}" type="datetimeFigureOut">
               <a:rPr lang="en-US" smtClean="0"/>
-              <a:t>5/13/18</a:t>
+              <a:t>5/18/18</a:t>
             </a:fld>
             <a:endParaRPr lang="en-US"/>
           </a:p>
@@ -1140,7 +1140,7 @@
           <a:p>
             <a:fld id="{DEC8558D-7E10-584E-BEE2-BF9C0EA4F725}" type="datetimeFigureOut">
               <a:rPr lang="en-US" smtClean="0"/>
-              <a:t>5/13/18</a:t>
+              <a:t>5/18/18</a:t>
             </a:fld>
             <a:endParaRPr lang="en-US"/>
           </a:p>
@@ -1405,7 +1405,7 @@
           <a:p>
             <a:fld id="{DEC8558D-7E10-584E-BEE2-BF9C0EA4F725}" type="datetimeFigureOut">
               <a:rPr lang="en-US" smtClean="0"/>
-              <a:t>5/13/18</a:t>
+              <a:t>5/18/18</a:t>
             </a:fld>
             <a:endParaRPr lang="en-US"/>
           </a:p>
@@ -1817,7 +1817,7 @@
           <a:p>
             <a:fld id="{DEC8558D-7E10-584E-BEE2-BF9C0EA4F725}" type="datetimeFigureOut">
               <a:rPr lang="en-US" smtClean="0"/>
-              <a:t>5/13/18</a:t>
+              <a:t>5/18/18</a:t>
             </a:fld>
             <a:endParaRPr lang="en-US"/>
           </a:p>
@@ -1958,7 +1958,7 @@
           <a:p>
             <a:fld id="{DEC8558D-7E10-584E-BEE2-BF9C0EA4F725}" type="datetimeFigureOut">
               <a:rPr lang="en-US" smtClean="0"/>
-              <a:t>5/13/18</a:t>
+              <a:t>5/18/18</a:t>
             </a:fld>
             <a:endParaRPr lang="en-US"/>
           </a:p>
@@ -2071,7 +2071,7 @@
           <a:p>
             <a:fld id="{DEC8558D-7E10-584E-BEE2-BF9C0EA4F725}" type="datetimeFigureOut">
               <a:rPr lang="en-US" smtClean="0"/>
-              <a:t>5/13/18</a:t>
+              <a:t>5/18/18</a:t>
             </a:fld>
             <a:endParaRPr lang="en-US"/>
           </a:p>
@@ -2382,7 +2382,7 @@
           <a:p>
             <a:fld id="{DEC8558D-7E10-584E-BEE2-BF9C0EA4F725}" type="datetimeFigureOut">
               <a:rPr lang="en-US" smtClean="0"/>
-              <a:t>5/13/18</a:t>
+              <a:t>5/18/18</a:t>
             </a:fld>
             <a:endParaRPr lang="en-US"/>
           </a:p>
@@ -2670,7 +2670,7 @@
           <a:p>
             <a:fld id="{DEC8558D-7E10-584E-BEE2-BF9C0EA4F725}" type="datetimeFigureOut">
               <a:rPr lang="en-US" smtClean="0"/>
-              <a:t>5/13/18</a:t>
+              <a:t>5/18/18</a:t>
             </a:fld>
             <a:endParaRPr lang="en-US"/>
           </a:p>
@@ -2911,7 +2911,7 @@
           <a:p>
             <a:fld id="{DEC8558D-7E10-584E-BEE2-BF9C0EA4F725}" type="datetimeFigureOut">
               <a:rPr lang="en-US" smtClean="0"/>
-              <a:t>5/13/18</a:t>
+              <a:t>5/18/18</a:t>
             </a:fld>
             <a:endParaRPr lang="en-US"/>
           </a:p>
@@ -3451,7 +3451,7 @@
           <a:p>
             <a:r>
               <a:rPr lang="en-US" dirty="0"/>
-              <a:t>Agenda - Draft</a:t>
+              <a:t>Agenda</a:t>
             </a:r>
           </a:p>
         </p:txBody>
@@ -3726,58 +3726,48 @@
             <a:pPr lvl="1"/>
             <a:r>
               <a:rPr lang="en-US" sz="2600" dirty="0"/>
-              <a:t>Introduction to cognitive services </a:t>
+              <a:t>Lab 8: Deploying a CNN model to ML cluster</a:t>
             </a:r>
           </a:p>
           <a:p>
             <a:pPr lvl="1"/>
             <a:r>
               <a:rPr lang="en-US" sz="2600" dirty="0"/>
-              <a:t>Other cool topics as time allows, such as:</a:t>
-            </a:r>
-          </a:p>
-          <a:p>
-            <a:pPr lvl="2"/>
-            <a:r>
-              <a:rPr lang="en-US" sz="2200" dirty="0"/>
-              <a:t>Object detection with fast-</a:t>
-            </a:r>
-            <a:r>
-              <a:rPr lang="en-US" sz="2200" dirty="0" err="1"/>
-              <a:t>rcnn</a:t>
-            </a:r>
-            <a:r>
-              <a:rPr lang="en-US" sz="2200" dirty="0"/>
-              <a:t> (lab)</a:t>
-            </a:r>
-          </a:p>
-          <a:p>
-            <a:pPr lvl="2"/>
-            <a:r>
-              <a:rPr lang="en-US" sz="2200" dirty="0"/>
-              <a:t>Generative Antagonistic Networks (lab)</a:t>
-            </a:r>
-          </a:p>
-          <a:p>
-            <a:pPr lvl="2"/>
-            <a:r>
-              <a:rPr lang="en-US" sz="2200" dirty="0"/>
-              <a:t>Recommendation with autoencoders </a:t>
-            </a:r>
-          </a:p>
-          <a:p>
-            <a:pPr lvl="2"/>
-            <a:r>
-              <a:rPr lang="en-US" sz="2200" dirty="0"/>
-              <a:t>Visual search with CNNs and cosine vs. Euclidean distance </a:t>
-            </a:r>
-          </a:p>
-          <a:p>
-            <a:pPr lvl="2"/>
-            <a:r>
-              <a:rPr lang="en-US" sz="2200" dirty="0"/>
-              <a:t>Time series forecasting with RNNs</a:t>
-            </a:r>
+              <a:t>Introduction to Cognitive Services </a:t>
+            </a:r>
+          </a:p>
+          <a:p>
+            <a:pPr lvl="1"/>
+            <a:r>
+              <a:rPr lang="en-US" sz="2600" dirty="0"/>
+              <a:t>Introduction to Generative Adversarial Networks</a:t>
+            </a:r>
+          </a:p>
+          <a:p>
+            <a:pPr lvl="1"/>
+            <a:r>
+              <a:rPr lang="en-US" sz="2600" dirty="0"/>
+              <a:t>Lab9: Build a simple GAN</a:t>
+            </a:r>
+          </a:p>
+          <a:p>
+            <a:pPr lvl="1"/>
+            <a:r>
+              <a:rPr lang="en-US" sz="2600" dirty="0"/>
+              <a:t>Introduction to Reinforcement Learning</a:t>
+            </a:r>
+          </a:p>
+          <a:p>
+            <a:pPr lvl="1"/>
+            <a:r>
+              <a:rPr lang="en-US" sz="2600"/>
+              <a:t>Lab10: </a:t>
+            </a:r>
+            <a:r>
+              <a:rPr lang="en-US" sz="2600" dirty="0"/>
+              <a:t>A simple Q-learning RL model with CNTK</a:t>
+            </a:r>
+            <a:endParaRPr lang="en-US" sz="2200" dirty="0"/>
           </a:p>
           <a:p>
             <a:pPr lvl="1"/>

--- a/day1/Agenda.pptx
+++ b/day1/Agenda.pptx
@@ -3912,6 +3912,21 @@
           </a:p>
           <a:p>
             <a:r>
+              <a:rPr lang="en-US" dirty="0" err="1"/>
+              <a:t>Lihong</a:t>
+            </a:r>
+            <a:r>
+              <a:rPr lang="en-US" dirty="0"/>
+              <a:t> Li for the </a:t>
+            </a:r>
+            <a:r>
+              <a:rPr lang="en-US"/>
+              <a:t>RL introduction</a:t>
+            </a:r>
+            <a:endParaRPr lang="en-US" dirty="0"/>
+          </a:p>
+          <a:p>
+            <a:r>
               <a:rPr lang="en-US" dirty="0"/>
               <a:t>… and many more</a:t>
             </a:r>

--- a/day1/Agenda.pptx
+++ b/day1/Agenda.pptx
@@ -6,7 +6,7 @@
   </p:sldMasterIdLst>
   <p:sldIdLst>
     <p:sldId id="256" r:id="rId2"/>
-    <p:sldId id="257" r:id="rId3"/>
+    <p:sldId id="259" r:id="rId3"/>
     <p:sldId id="258" r:id="rId4"/>
   </p:sldIdLst>
   <p:sldSz cx="12192000" cy="6858000"/>
@@ -261,7 +261,7 @@
           <a:p>
             <a:fld id="{DEC8558D-7E10-584E-BEE2-BF9C0EA4F725}" type="datetimeFigureOut">
               <a:rPr lang="en-US" smtClean="0"/>
-              <a:t>5/18/18</a:t>
+              <a:t>9/19/18</a:t>
             </a:fld>
             <a:endParaRPr lang="en-US"/>
           </a:p>
@@ -459,7 +459,7 @@
           <a:p>
             <a:fld id="{DEC8558D-7E10-584E-BEE2-BF9C0EA4F725}" type="datetimeFigureOut">
               <a:rPr lang="en-US" smtClean="0"/>
-              <a:t>5/18/18</a:t>
+              <a:t>9/19/18</a:t>
             </a:fld>
             <a:endParaRPr lang="en-US"/>
           </a:p>
@@ -667,7 +667,7 @@
           <a:p>
             <a:fld id="{DEC8558D-7E10-584E-BEE2-BF9C0EA4F725}" type="datetimeFigureOut">
               <a:rPr lang="en-US" smtClean="0"/>
-              <a:t>5/18/18</a:t>
+              <a:t>9/19/18</a:t>
             </a:fld>
             <a:endParaRPr lang="en-US"/>
           </a:p>
@@ -865,7 +865,7 @@
           <a:p>
             <a:fld id="{DEC8558D-7E10-584E-BEE2-BF9C0EA4F725}" type="datetimeFigureOut">
               <a:rPr lang="en-US" smtClean="0"/>
-              <a:t>5/18/18</a:t>
+              <a:t>9/19/18</a:t>
             </a:fld>
             <a:endParaRPr lang="en-US"/>
           </a:p>
@@ -1140,7 +1140,7 @@
           <a:p>
             <a:fld id="{DEC8558D-7E10-584E-BEE2-BF9C0EA4F725}" type="datetimeFigureOut">
               <a:rPr lang="en-US" smtClean="0"/>
-              <a:t>5/18/18</a:t>
+              <a:t>9/19/18</a:t>
             </a:fld>
             <a:endParaRPr lang="en-US"/>
           </a:p>
@@ -1405,7 +1405,7 @@
           <a:p>
             <a:fld id="{DEC8558D-7E10-584E-BEE2-BF9C0EA4F725}" type="datetimeFigureOut">
               <a:rPr lang="en-US" smtClean="0"/>
-              <a:t>5/18/18</a:t>
+              <a:t>9/19/18</a:t>
             </a:fld>
             <a:endParaRPr lang="en-US"/>
           </a:p>
@@ -1817,7 +1817,7 @@
           <a:p>
             <a:fld id="{DEC8558D-7E10-584E-BEE2-BF9C0EA4F725}" type="datetimeFigureOut">
               <a:rPr lang="en-US" smtClean="0"/>
-              <a:t>5/18/18</a:t>
+              <a:t>9/19/18</a:t>
             </a:fld>
             <a:endParaRPr lang="en-US"/>
           </a:p>
@@ -1958,7 +1958,7 @@
           <a:p>
             <a:fld id="{DEC8558D-7E10-584E-BEE2-BF9C0EA4F725}" type="datetimeFigureOut">
               <a:rPr lang="en-US" smtClean="0"/>
-              <a:t>5/18/18</a:t>
+              <a:t>9/19/18</a:t>
             </a:fld>
             <a:endParaRPr lang="en-US"/>
           </a:p>
@@ -2071,7 +2071,7 @@
           <a:p>
             <a:fld id="{DEC8558D-7E10-584E-BEE2-BF9C0EA4F725}" type="datetimeFigureOut">
               <a:rPr lang="en-US" smtClean="0"/>
-              <a:t>5/18/18</a:t>
+              <a:t>9/19/18</a:t>
             </a:fld>
             <a:endParaRPr lang="en-US"/>
           </a:p>
@@ -2382,7 +2382,7 @@
           <a:p>
             <a:fld id="{DEC8558D-7E10-584E-BEE2-BF9C0EA4F725}" type="datetimeFigureOut">
               <a:rPr lang="en-US" smtClean="0"/>
-              <a:t>5/18/18</a:t>
+              <a:t>9/19/18</a:t>
             </a:fld>
             <a:endParaRPr lang="en-US"/>
           </a:p>
@@ -2670,7 +2670,7 @@
           <a:p>
             <a:fld id="{DEC8558D-7E10-584E-BEE2-BF9C0EA4F725}" type="datetimeFigureOut">
               <a:rPr lang="en-US" smtClean="0"/>
-              <a:t>5/18/18</a:t>
+              <a:t>9/19/18</a:t>
             </a:fld>
             <a:endParaRPr lang="en-US"/>
           </a:p>
@@ -2911,7 +2911,7 @@
           <a:p>
             <a:fld id="{DEC8558D-7E10-584E-BEE2-BF9C0EA4F725}" type="datetimeFigureOut">
               <a:rPr lang="en-US" smtClean="0"/>
-              <a:t>5/18/18</a:t>
+              <a:t>9/19/18</a:t>
             </a:fld>
             <a:endParaRPr lang="en-US"/>
           </a:p>
@@ -3433,7 +3433,7 @@
           <p:cNvPr id="2" name="Title 1">
             <a:extLst>
               <a:ext uri="{FF2B5EF4-FFF2-40B4-BE49-F238E27FC236}">
-                <a16:creationId xmlns:a16="http://schemas.microsoft.com/office/drawing/2014/main" id="{B5ECB81B-2289-0549-A7F1-56129C571994}"/>
+                <a16:creationId xmlns:a16="http://schemas.microsoft.com/office/drawing/2014/main" id="{B997806E-27F4-B34B-B1B6-11A42419A0F1}"/>
               </a:ext>
             </a:extLst>
           </p:cNvPr>
@@ -3456,332 +3456,2251 @@
           </a:p>
         </p:txBody>
       </p:sp>
-      <p:sp>
-        <p:nvSpPr>
-          <p:cNvPr id="3" name="Content Placeholder 2">
-            <a:extLst>
-              <a:ext uri="{FF2B5EF4-FFF2-40B4-BE49-F238E27FC236}">
-                <a16:creationId xmlns:a16="http://schemas.microsoft.com/office/drawing/2014/main" id="{7F943FB3-AEB2-9649-ACF5-57B862A4078D}"/>
-              </a:ext>
-            </a:extLst>
-          </p:cNvPr>
-          <p:cNvSpPr>
-            <a:spLocks noGrp="1"/>
-          </p:cNvSpPr>
+      <p:graphicFrame>
+        <p:nvGraphicFramePr>
+          <p:cNvPr id="9" name="Content Placeholder 8">
+            <a:extLst>
+              <a:ext uri="{FF2B5EF4-FFF2-40B4-BE49-F238E27FC236}">
+                <a16:creationId xmlns:a16="http://schemas.microsoft.com/office/drawing/2014/main" id="{4BC5E676-1F3A-AB44-B928-929F9893B143}"/>
+              </a:ext>
+            </a:extLst>
+          </p:cNvPr>
+          <p:cNvGraphicFramePr>
+            <a:graphicFrameLocks noGrp="1"/>
+          </p:cNvGraphicFramePr>
           <p:nvPr>
             <p:ph sz="half" idx="1"/>
-          </p:nvPr>
-        </p:nvSpPr>
-        <p:spPr>
+            <p:extLst>
+              <p:ext uri="{D42A27DB-BD31-4B8C-83A1-F6EECF244321}">
+                <p14:modId xmlns:p14="http://schemas.microsoft.com/office/powerpoint/2010/main" val="1877354278"/>
+              </p:ext>
+            </p:extLst>
+          </p:nvPr>
+        </p:nvGraphicFramePr>
+        <p:xfrm>
+          <a:off x="395926" y="1690688"/>
+          <a:ext cx="5425911" cy="4486280"/>
+        </p:xfrm>
+        <a:graphic>
+          <a:graphicData uri="http://schemas.openxmlformats.org/drawingml/2006/table">
+            <a:tbl>
+              <a:tblPr firstRow="1" firstCol="1" bandRow="1">
+                <a:tableStyleId>{5C22544A-7EE6-4342-B048-85BDC9FD1C3A}</a:tableStyleId>
+              </a:tblPr>
+              <a:tblGrid>
+                <a:gridCol w="1170851">
+                  <a:extLst>
+                    <a:ext uri="{9D8B030D-6E8A-4147-A177-3AD203B41FA5}">
+                      <a16:colId xmlns:a16="http://schemas.microsoft.com/office/drawing/2014/main" val="1869163613"/>
+                    </a:ext>
+                  </a:extLst>
+                </a:gridCol>
+                <a:gridCol w="4255060">
+                  <a:extLst>
+                    <a:ext uri="{9D8B030D-6E8A-4147-A177-3AD203B41FA5}">
+                      <a16:colId xmlns:a16="http://schemas.microsoft.com/office/drawing/2014/main" val="1353645279"/>
+                    </a:ext>
+                  </a:extLst>
+                </a:gridCol>
+              </a:tblGrid>
+              <a:tr h="294257">
+                <a:tc>
+                  <a:txBody>
+                    <a:bodyPr/>
+                    <a:lstStyle/>
+                    <a:p>
+                      <a:pPr marL="0" marR="0">
+                        <a:lnSpc>
+                          <a:spcPct val="107000"/>
+                        </a:lnSpc>
+                        <a:spcBef>
+                          <a:spcPts val="0"/>
+                        </a:spcBef>
+                        <a:spcAft>
+                          <a:spcPts val="0"/>
+                        </a:spcAft>
+                      </a:pPr>
+                      <a:r>
+                        <a:rPr lang="en-US" sz="1000">
+                          <a:effectLst/>
+                        </a:rPr>
+                        <a:t>Time</a:t>
+                      </a:r>
+                      <a:endParaRPr lang="en-US" sz="1100">
+                        <a:effectLst/>
+                        <a:latin typeface="Calibri" panose="020F0502020204030204" pitchFamily="34" charset="0"/>
+                        <a:ea typeface="Calibri" panose="020F0502020204030204" pitchFamily="34" charset="0"/>
+                        <a:cs typeface="Times New Roman" panose="02020603050405020304" pitchFamily="18" charset="0"/>
+                      </a:endParaRPr>
+                    </a:p>
+                  </a:txBody>
+                  <a:tcPr marL="68580" marR="68580" marT="0" marB="0"/>
+                </a:tc>
+                <a:tc>
+                  <a:txBody>
+                    <a:bodyPr/>
+                    <a:lstStyle/>
+                    <a:p>
+                      <a:pPr marL="0" marR="0">
+                        <a:lnSpc>
+                          <a:spcPct val="107000"/>
+                        </a:lnSpc>
+                        <a:spcBef>
+                          <a:spcPts val="0"/>
+                        </a:spcBef>
+                        <a:spcAft>
+                          <a:spcPts val="0"/>
+                        </a:spcAft>
+                      </a:pPr>
+                      <a:r>
+                        <a:rPr lang="en-US" sz="1000">
+                          <a:effectLst/>
+                        </a:rPr>
+                        <a:t>Topic </a:t>
+                      </a:r>
+                      <a:endParaRPr lang="en-US" sz="1100">
+                        <a:effectLst/>
+                        <a:latin typeface="Calibri" panose="020F0502020204030204" pitchFamily="34" charset="0"/>
+                        <a:ea typeface="Calibri" panose="020F0502020204030204" pitchFamily="34" charset="0"/>
+                        <a:cs typeface="Times New Roman" panose="02020603050405020304" pitchFamily="18" charset="0"/>
+                      </a:endParaRPr>
+                    </a:p>
+                  </a:txBody>
+                  <a:tcPr marL="68580" marR="68580" marT="0" marB="0"/>
+                </a:tc>
+                <a:extLst>
+                  <a:ext uri="{0D108BD9-81ED-4DB2-BD59-A6C34878D82A}">
+                    <a16:rowId xmlns:a16="http://schemas.microsoft.com/office/drawing/2014/main" val="1836445763"/>
+                  </a:ext>
+                </a:extLst>
+              </a:tr>
+              <a:tr h="294257">
+                <a:tc>
+                  <a:txBody>
+                    <a:bodyPr/>
+                    <a:lstStyle/>
+                    <a:p>
+                      <a:pPr marL="0" marR="0">
+                        <a:lnSpc>
+                          <a:spcPct val="107000"/>
+                        </a:lnSpc>
+                        <a:spcBef>
+                          <a:spcPts val="0"/>
+                        </a:spcBef>
+                        <a:spcAft>
+                          <a:spcPts val="0"/>
+                        </a:spcAft>
+                      </a:pPr>
+                      <a:r>
+                        <a:rPr lang="en-US" sz="1000">
+                          <a:effectLst/>
+                        </a:rPr>
+                        <a:t>8:30 AM </a:t>
+                      </a:r>
+                      <a:endParaRPr lang="en-US" sz="1100">
+                        <a:effectLst/>
+                        <a:latin typeface="Calibri" panose="020F0502020204030204" pitchFamily="34" charset="0"/>
+                        <a:ea typeface="Calibri" panose="020F0502020204030204" pitchFamily="34" charset="0"/>
+                        <a:cs typeface="Times New Roman" panose="02020603050405020304" pitchFamily="18" charset="0"/>
+                      </a:endParaRPr>
+                    </a:p>
+                  </a:txBody>
+                  <a:tcPr marL="68580" marR="68580" marT="0" marB="0"/>
+                </a:tc>
+                <a:tc>
+                  <a:txBody>
+                    <a:bodyPr/>
+                    <a:lstStyle/>
+                    <a:p>
+                      <a:pPr marL="0" marR="0">
+                        <a:lnSpc>
+                          <a:spcPct val="107000"/>
+                        </a:lnSpc>
+                        <a:spcBef>
+                          <a:spcPts val="0"/>
+                        </a:spcBef>
+                        <a:spcAft>
+                          <a:spcPts val="0"/>
+                        </a:spcAft>
+                      </a:pPr>
+                      <a:r>
+                        <a:rPr lang="en-US" sz="1000">
+                          <a:effectLst/>
+                        </a:rPr>
+                        <a:t>Breakfast &amp; Registration</a:t>
+                      </a:r>
+                      <a:endParaRPr lang="en-US" sz="1100">
+                        <a:effectLst/>
+                        <a:latin typeface="Calibri" panose="020F0502020204030204" pitchFamily="34" charset="0"/>
+                        <a:ea typeface="Calibri" panose="020F0502020204030204" pitchFamily="34" charset="0"/>
+                        <a:cs typeface="Times New Roman" panose="02020603050405020304" pitchFamily="18" charset="0"/>
+                      </a:endParaRPr>
+                    </a:p>
+                  </a:txBody>
+                  <a:tcPr marL="68580" marR="68580" marT="0" marB="0"/>
+                </a:tc>
+                <a:extLst>
+                  <a:ext uri="{0D108BD9-81ED-4DB2-BD59-A6C34878D82A}">
+                    <a16:rowId xmlns:a16="http://schemas.microsoft.com/office/drawing/2014/main" val="1024754678"/>
+                  </a:ext>
+                </a:extLst>
+              </a:tr>
+              <a:tr h="294257">
+                <a:tc>
+                  <a:txBody>
+                    <a:bodyPr/>
+                    <a:lstStyle/>
+                    <a:p>
+                      <a:pPr marL="0" marR="0">
+                        <a:lnSpc>
+                          <a:spcPct val="107000"/>
+                        </a:lnSpc>
+                        <a:spcBef>
+                          <a:spcPts val="0"/>
+                        </a:spcBef>
+                        <a:spcAft>
+                          <a:spcPts val="0"/>
+                        </a:spcAft>
+                      </a:pPr>
+                      <a:r>
+                        <a:rPr lang="en-US" sz="1000">
+                          <a:effectLst/>
+                        </a:rPr>
+                        <a:t>9:00-9:45 AM</a:t>
+                      </a:r>
+                      <a:endParaRPr lang="en-US" sz="1100">
+                        <a:effectLst/>
+                        <a:latin typeface="Calibri" panose="020F0502020204030204" pitchFamily="34" charset="0"/>
+                        <a:ea typeface="Calibri" panose="020F0502020204030204" pitchFamily="34" charset="0"/>
+                        <a:cs typeface="Times New Roman" panose="02020603050405020304" pitchFamily="18" charset="0"/>
+                      </a:endParaRPr>
+                    </a:p>
+                  </a:txBody>
+                  <a:tcPr marL="68580" marR="68580" marT="0" marB="0"/>
+                </a:tc>
+                <a:tc>
+                  <a:txBody>
+                    <a:bodyPr/>
+                    <a:lstStyle/>
+                    <a:p>
+                      <a:pPr marL="0" marR="0">
+                        <a:lnSpc>
+                          <a:spcPct val="107000"/>
+                        </a:lnSpc>
+                        <a:spcBef>
+                          <a:spcPts val="0"/>
+                        </a:spcBef>
+                        <a:spcAft>
+                          <a:spcPts val="0"/>
+                        </a:spcAft>
+                      </a:pPr>
+                      <a:r>
+                        <a:rPr lang="en-US" sz="1000">
+                          <a:effectLst/>
+                        </a:rPr>
+                        <a:t>Session: Introduction to Neural Networks  (45 min)</a:t>
+                      </a:r>
+                      <a:endParaRPr lang="en-US" sz="1100">
+                        <a:effectLst/>
+                        <a:latin typeface="Calibri" panose="020F0502020204030204" pitchFamily="34" charset="0"/>
+                        <a:ea typeface="Calibri" panose="020F0502020204030204" pitchFamily="34" charset="0"/>
+                        <a:cs typeface="Times New Roman" panose="02020603050405020304" pitchFamily="18" charset="0"/>
+                      </a:endParaRPr>
+                    </a:p>
+                  </a:txBody>
+                  <a:tcPr marL="68580" marR="68580" marT="0" marB="0"/>
+                </a:tc>
+                <a:extLst>
+                  <a:ext uri="{0D108BD9-81ED-4DB2-BD59-A6C34878D82A}">
+                    <a16:rowId xmlns:a16="http://schemas.microsoft.com/office/drawing/2014/main" val="65266485"/>
+                  </a:ext>
+                </a:extLst>
+              </a:tr>
+              <a:tr h="294257">
+                <a:tc>
+                  <a:txBody>
+                    <a:bodyPr/>
+                    <a:lstStyle/>
+                    <a:p>
+                      <a:pPr marL="0" marR="0">
+                        <a:lnSpc>
+                          <a:spcPct val="107000"/>
+                        </a:lnSpc>
+                        <a:spcBef>
+                          <a:spcPts val="0"/>
+                        </a:spcBef>
+                        <a:spcAft>
+                          <a:spcPts val="0"/>
+                        </a:spcAft>
+                      </a:pPr>
+                      <a:r>
+                        <a:rPr lang="en-US" sz="1000">
+                          <a:effectLst/>
+                        </a:rPr>
+                        <a:t>9:45–10:30 AM</a:t>
+                      </a:r>
+                      <a:endParaRPr lang="en-US" sz="1100">
+                        <a:effectLst/>
+                        <a:latin typeface="Calibri" panose="020F0502020204030204" pitchFamily="34" charset="0"/>
+                        <a:ea typeface="Calibri" panose="020F0502020204030204" pitchFamily="34" charset="0"/>
+                        <a:cs typeface="Times New Roman" panose="02020603050405020304" pitchFamily="18" charset="0"/>
+                      </a:endParaRPr>
+                    </a:p>
+                  </a:txBody>
+                  <a:tcPr marL="68580" marR="68580" marT="0" marB="0"/>
+                </a:tc>
+                <a:tc>
+                  <a:txBody>
+                    <a:bodyPr/>
+                    <a:lstStyle/>
+                    <a:p>
+                      <a:pPr marL="0" marR="0">
+                        <a:lnSpc>
+                          <a:spcPct val="107000"/>
+                        </a:lnSpc>
+                        <a:spcBef>
+                          <a:spcPts val="0"/>
+                        </a:spcBef>
+                        <a:spcAft>
+                          <a:spcPts val="0"/>
+                        </a:spcAft>
+                      </a:pPr>
+                      <a:r>
+                        <a:rPr lang="en-US" sz="1000">
+                          <a:effectLst/>
+                        </a:rPr>
+                        <a:t>Lab: Setup (DSVM, anaconda environment)</a:t>
+                      </a:r>
+                      <a:endParaRPr lang="en-US" sz="1100">
+                        <a:effectLst/>
+                        <a:latin typeface="Calibri" panose="020F0502020204030204" pitchFamily="34" charset="0"/>
+                        <a:ea typeface="Calibri" panose="020F0502020204030204" pitchFamily="34" charset="0"/>
+                        <a:cs typeface="Times New Roman" panose="02020603050405020304" pitchFamily="18" charset="0"/>
+                      </a:endParaRPr>
+                    </a:p>
+                  </a:txBody>
+                  <a:tcPr marL="68580" marR="68580" marT="0" marB="0"/>
+                </a:tc>
+                <a:extLst>
+                  <a:ext uri="{0D108BD9-81ED-4DB2-BD59-A6C34878D82A}">
+                    <a16:rowId xmlns:a16="http://schemas.microsoft.com/office/drawing/2014/main" val="260734059"/>
+                  </a:ext>
+                </a:extLst>
+              </a:tr>
+              <a:tr h="323635">
+                <a:tc>
+                  <a:txBody>
+                    <a:bodyPr/>
+                    <a:lstStyle/>
+                    <a:p>
+                      <a:pPr marL="0" marR="0">
+                        <a:lnSpc>
+                          <a:spcPct val="107000"/>
+                        </a:lnSpc>
+                        <a:spcBef>
+                          <a:spcPts val="0"/>
+                        </a:spcBef>
+                        <a:spcAft>
+                          <a:spcPts val="0"/>
+                        </a:spcAft>
+                      </a:pPr>
+                      <a:r>
+                        <a:rPr lang="en-US" sz="1000">
+                          <a:effectLst/>
+                        </a:rPr>
+                        <a:t>10:30-10:45 AM</a:t>
+                      </a:r>
+                      <a:endParaRPr lang="en-US" sz="1100">
+                        <a:effectLst/>
+                        <a:latin typeface="Calibri" panose="020F0502020204030204" pitchFamily="34" charset="0"/>
+                        <a:ea typeface="Calibri" panose="020F0502020204030204" pitchFamily="34" charset="0"/>
+                        <a:cs typeface="Times New Roman" panose="02020603050405020304" pitchFamily="18" charset="0"/>
+                      </a:endParaRPr>
+                    </a:p>
+                  </a:txBody>
+                  <a:tcPr marL="68580" marR="68580" marT="0" marB="0"/>
+                </a:tc>
+                <a:tc>
+                  <a:txBody>
+                    <a:bodyPr/>
+                    <a:lstStyle/>
+                    <a:p>
+                      <a:pPr marL="0" marR="0">
+                        <a:lnSpc>
+                          <a:spcPct val="107000"/>
+                        </a:lnSpc>
+                        <a:spcBef>
+                          <a:spcPts val="0"/>
+                        </a:spcBef>
+                        <a:spcAft>
+                          <a:spcPts val="0"/>
+                        </a:spcAft>
+                      </a:pPr>
+                      <a:r>
+                        <a:rPr lang="en-US" sz="1100">
+                          <a:effectLst/>
+                        </a:rPr>
+                        <a:t>Break</a:t>
+                      </a:r>
+                      <a:endParaRPr lang="en-US" sz="1100">
+                        <a:effectLst/>
+                        <a:latin typeface="Calibri" panose="020F0502020204030204" pitchFamily="34" charset="0"/>
+                        <a:ea typeface="Calibri" panose="020F0502020204030204" pitchFamily="34" charset="0"/>
+                        <a:cs typeface="Times New Roman" panose="02020603050405020304" pitchFamily="18" charset="0"/>
+                      </a:endParaRPr>
+                    </a:p>
+                  </a:txBody>
+                  <a:tcPr marL="68580" marR="68580" marT="0" marB="0"/>
+                </a:tc>
+                <a:extLst>
+                  <a:ext uri="{0D108BD9-81ED-4DB2-BD59-A6C34878D82A}">
+                    <a16:rowId xmlns:a16="http://schemas.microsoft.com/office/drawing/2014/main" val="1747170352"/>
+                  </a:ext>
+                </a:extLst>
+              </a:tr>
+              <a:tr h="323635">
+                <a:tc>
+                  <a:txBody>
+                    <a:bodyPr/>
+                    <a:lstStyle/>
+                    <a:p>
+                      <a:pPr marL="0" marR="0">
+                        <a:lnSpc>
+                          <a:spcPct val="107000"/>
+                        </a:lnSpc>
+                        <a:spcBef>
+                          <a:spcPts val="0"/>
+                        </a:spcBef>
+                        <a:spcAft>
+                          <a:spcPts val="0"/>
+                        </a:spcAft>
+                      </a:pPr>
+                      <a:r>
+                        <a:rPr lang="en-US" sz="1000">
+                          <a:effectLst/>
+                        </a:rPr>
+                        <a:t>10:45-11:15 AM</a:t>
+                      </a:r>
+                      <a:endParaRPr lang="en-US" sz="1100">
+                        <a:effectLst/>
+                        <a:latin typeface="Calibri" panose="020F0502020204030204" pitchFamily="34" charset="0"/>
+                        <a:ea typeface="Calibri" panose="020F0502020204030204" pitchFamily="34" charset="0"/>
+                        <a:cs typeface="Times New Roman" panose="02020603050405020304" pitchFamily="18" charset="0"/>
+                      </a:endParaRPr>
+                    </a:p>
+                  </a:txBody>
+                  <a:tcPr marL="68580" marR="68580" marT="0" marB="0"/>
+                </a:tc>
+                <a:tc>
+                  <a:txBody>
+                    <a:bodyPr/>
+                    <a:lstStyle/>
+                    <a:p>
+                      <a:pPr marL="0" marR="0">
+                        <a:lnSpc>
+                          <a:spcPct val="107000"/>
+                        </a:lnSpc>
+                        <a:spcBef>
+                          <a:spcPts val="0"/>
+                        </a:spcBef>
+                        <a:spcAft>
+                          <a:spcPts val="0"/>
+                        </a:spcAft>
+                      </a:pPr>
+                      <a:r>
+                        <a:rPr lang="en-US" sz="1100">
+                          <a:effectLst/>
+                        </a:rPr>
+                        <a:t>Intro to Keras Library</a:t>
+                      </a:r>
+                      <a:endParaRPr lang="en-US" sz="1100">
+                        <a:effectLst/>
+                        <a:latin typeface="Calibri" panose="020F0502020204030204" pitchFamily="34" charset="0"/>
+                        <a:ea typeface="Calibri" panose="020F0502020204030204" pitchFamily="34" charset="0"/>
+                        <a:cs typeface="Times New Roman" panose="02020603050405020304" pitchFamily="18" charset="0"/>
+                      </a:endParaRPr>
+                    </a:p>
+                  </a:txBody>
+                  <a:tcPr marL="68580" marR="68580" marT="0" marB="0"/>
+                </a:tc>
+                <a:extLst>
+                  <a:ext uri="{0D108BD9-81ED-4DB2-BD59-A6C34878D82A}">
+                    <a16:rowId xmlns:a16="http://schemas.microsoft.com/office/drawing/2014/main" val="3376591911"/>
+                  </a:ext>
+                </a:extLst>
+              </a:tr>
+              <a:tr h="294257">
+                <a:tc>
+                  <a:txBody>
+                    <a:bodyPr/>
+                    <a:lstStyle/>
+                    <a:p>
+                      <a:pPr marL="0" marR="0">
+                        <a:lnSpc>
+                          <a:spcPct val="107000"/>
+                        </a:lnSpc>
+                        <a:spcBef>
+                          <a:spcPts val="0"/>
+                        </a:spcBef>
+                        <a:spcAft>
+                          <a:spcPts val="0"/>
+                        </a:spcAft>
+                      </a:pPr>
+                      <a:r>
+                        <a:rPr lang="en-US" sz="1000">
+                          <a:effectLst/>
+                        </a:rPr>
+                        <a:t>11:15-12:00 PM</a:t>
+                      </a:r>
+                      <a:endParaRPr lang="en-US" sz="1100">
+                        <a:effectLst/>
+                        <a:latin typeface="Calibri" panose="020F0502020204030204" pitchFamily="34" charset="0"/>
+                        <a:ea typeface="Calibri" panose="020F0502020204030204" pitchFamily="34" charset="0"/>
+                        <a:cs typeface="Times New Roman" panose="02020603050405020304" pitchFamily="18" charset="0"/>
+                      </a:endParaRPr>
+                    </a:p>
+                  </a:txBody>
+                  <a:tcPr marL="68580" marR="68580" marT="0" marB="0"/>
+                </a:tc>
+                <a:tc>
+                  <a:txBody>
+                    <a:bodyPr/>
+                    <a:lstStyle/>
+                    <a:p>
+                      <a:pPr marL="0" marR="0">
+                        <a:lnSpc>
+                          <a:spcPct val="107000"/>
+                        </a:lnSpc>
+                        <a:spcBef>
+                          <a:spcPts val="0"/>
+                        </a:spcBef>
+                        <a:spcAft>
+                          <a:spcPts val="0"/>
+                        </a:spcAft>
+                      </a:pPr>
+                      <a:r>
+                        <a:rPr lang="en-US" sz="1000">
+                          <a:effectLst/>
+                        </a:rPr>
+                        <a:t>Lab: Keras – simple image classification on mnist dataset</a:t>
+                      </a:r>
+                      <a:endParaRPr lang="en-US" sz="1100">
+                        <a:effectLst/>
+                        <a:latin typeface="Calibri" panose="020F0502020204030204" pitchFamily="34" charset="0"/>
+                        <a:ea typeface="Calibri" panose="020F0502020204030204" pitchFamily="34" charset="0"/>
+                        <a:cs typeface="Times New Roman" panose="02020603050405020304" pitchFamily="18" charset="0"/>
+                      </a:endParaRPr>
+                    </a:p>
+                  </a:txBody>
+                  <a:tcPr marL="68580" marR="68580" marT="0" marB="0"/>
+                </a:tc>
+                <a:extLst>
+                  <a:ext uri="{0D108BD9-81ED-4DB2-BD59-A6C34878D82A}">
+                    <a16:rowId xmlns:a16="http://schemas.microsoft.com/office/drawing/2014/main" val="814371887"/>
+                  </a:ext>
+                </a:extLst>
+              </a:tr>
+              <a:tr h="294257">
+                <a:tc>
+                  <a:txBody>
+                    <a:bodyPr/>
+                    <a:lstStyle/>
+                    <a:p>
+                      <a:pPr marL="0" marR="0">
+                        <a:lnSpc>
+                          <a:spcPct val="107000"/>
+                        </a:lnSpc>
+                        <a:spcBef>
+                          <a:spcPts val="0"/>
+                        </a:spcBef>
+                        <a:spcAft>
+                          <a:spcPts val="0"/>
+                        </a:spcAft>
+                      </a:pPr>
+                      <a:r>
+                        <a:rPr lang="en-US" sz="1000">
+                          <a:effectLst/>
+                        </a:rPr>
+                        <a:t>12:00-1:00 PM</a:t>
+                      </a:r>
+                      <a:endParaRPr lang="en-US" sz="1100">
+                        <a:effectLst/>
+                        <a:latin typeface="Calibri" panose="020F0502020204030204" pitchFamily="34" charset="0"/>
+                        <a:ea typeface="Calibri" panose="020F0502020204030204" pitchFamily="34" charset="0"/>
+                        <a:cs typeface="Times New Roman" panose="02020603050405020304" pitchFamily="18" charset="0"/>
+                      </a:endParaRPr>
+                    </a:p>
+                  </a:txBody>
+                  <a:tcPr marL="68580" marR="68580" marT="0" marB="0"/>
+                </a:tc>
+                <a:tc>
+                  <a:txBody>
+                    <a:bodyPr/>
+                    <a:lstStyle/>
+                    <a:p>
+                      <a:pPr marL="0" marR="0">
+                        <a:lnSpc>
+                          <a:spcPct val="107000"/>
+                        </a:lnSpc>
+                        <a:spcBef>
+                          <a:spcPts val="0"/>
+                        </a:spcBef>
+                        <a:spcAft>
+                          <a:spcPts val="0"/>
+                        </a:spcAft>
+                      </a:pPr>
+                      <a:r>
+                        <a:rPr lang="en-US" sz="1000">
+                          <a:effectLst/>
+                        </a:rPr>
+                        <a:t>Lunch break</a:t>
+                      </a:r>
+                      <a:endParaRPr lang="en-US" sz="1100">
+                        <a:effectLst/>
+                        <a:latin typeface="Calibri" panose="020F0502020204030204" pitchFamily="34" charset="0"/>
+                        <a:ea typeface="Calibri" panose="020F0502020204030204" pitchFamily="34" charset="0"/>
+                        <a:cs typeface="Times New Roman" panose="02020603050405020304" pitchFamily="18" charset="0"/>
+                      </a:endParaRPr>
+                    </a:p>
+                  </a:txBody>
+                  <a:tcPr marL="68580" marR="68580" marT="0" marB="0"/>
+                </a:tc>
+                <a:extLst>
+                  <a:ext uri="{0D108BD9-81ED-4DB2-BD59-A6C34878D82A}">
+                    <a16:rowId xmlns:a16="http://schemas.microsoft.com/office/drawing/2014/main" val="4068774783"/>
+                  </a:ext>
+                </a:extLst>
+              </a:tr>
+              <a:tr h="602183">
+                <a:tc>
+                  <a:txBody>
+                    <a:bodyPr/>
+                    <a:lstStyle/>
+                    <a:p>
+                      <a:pPr marL="0" marR="0">
+                        <a:lnSpc>
+                          <a:spcPct val="107000"/>
+                        </a:lnSpc>
+                        <a:spcBef>
+                          <a:spcPts val="0"/>
+                        </a:spcBef>
+                        <a:spcAft>
+                          <a:spcPts val="0"/>
+                        </a:spcAft>
+                      </a:pPr>
+                      <a:r>
+                        <a:rPr lang="en-US" sz="1000">
+                          <a:effectLst/>
+                        </a:rPr>
+                        <a:t>1:00-1:45 PM</a:t>
+                      </a:r>
+                      <a:endParaRPr lang="en-US" sz="1100">
+                        <a:effectLst/>
+                        <a:latin typeface="Calibri" panose="020F0502020204030204" pitchFamily="34" charset="0"/>
+                        <a:ea typeface="Calibri" panose="020F0502020204030204" pitchFamily="34" charset="0"/>
+                        <a:cs typeface="Times New Roman" panose="02020603050405020304" pitchFamily="18" charset="0"/>
+                      </a:endParaRPr>
+                    </a:p>
+                  </a:txBody>
+                  <a:tcPr marL="68580" marR="68580" marT="0" marB="0"/>
+                </a:tc>
+                <a:tc>
+                  <a:txBody>
+                    <a:bodyPr/>
+                    <a:lstStyle/>
+                    <a:p>
+                      <a:pPr marL="0" marR="0">
+                        <a:lnSpc>
+                          <a:spcPct val="107000"/>
+                        </a:lnSpc>
+                        <a:spcBef>
+                          <a:spcPts val="0"/>
+                        </a:spcBef>
+                        <a:spcAft>
+                          <a:spcPts val="0"/>
+                        </a:spcAft>
+                      </a:pPr>
+                      <a:r>
+                        <a:rPr lang="en-US" sz="1000">
+                          <a:effectLst/>
+                        </a:rPr>
+                        <a:t>Session: Introduction to Deep Neural Networks (includes Convolutional Networks)</a:t>
+                      </a:r>
+                      <a:endParaRPr lang="en-US" sz="1100">
+                        <a:effectLst/>
+                        <a:latin typeface="Calibri" panose="020F0502020204030204" pitchFamily="34" charset="0"/>
+                        <a:ea typeface="Calibri" panose="020F0502020204030204" pitchFamily="34" charset="0"/>
+                        <a:cs typeface="Times New Roman" panose="02020603050405020304" pitchFamily="18" charset="0"/>
+                      </a:endParaRPr>
+                    </a:p>
+                  </a:txBody>
+                  <a:tcPr marL="68580" marR="68580" marT="0" marB="0"/>
+                </a:tc>
+                <a:extLst>
+                  <a:ext uri="{0D108BD9-81ED-4DB2-BD59-A6C34878D82A}">
+                    <a16:rowId xmlns:a16="http://schemas.microsoft.com/office/drawing/2014/main" val="1320734532"/>
+                  </a:ext>
+                </a:extLst>
+              </a:tr>
+              <a:tr h="294257">
+                <a:tc>
+                  <a:txBody>
+                    <a:bodyPr/>
+                    <a:lstStyle/>
+                    <a:p>
+                      <a:pPr marL="0" marR="0">
+                        <a:lnSpc>
+                          <a:spcPct val="107000"/>
+                        </a:lnSpc>
+                        <a:spcBef>
+                          <a:spcPts val="0"/>
+                        </a:spcBef>
+                        <a:spcAft>
+                          <a:spcPts val="0"/>
+                        </a:spcAft>
+                      </a:pPr>
+                      <a:r>
+                        <a:rPr lang="en-US" sz="1000">
+                          <a:effectLst/>
+                        </a:rPr>
+                        <a:t>1:45 – 2:15 PM</a:t>
+                      </a:r>
+                      <a:endParaRPr lang="en-US" sz="1100">
+                        <a:effectLst/>
+                        <a:latin typeface="Calibri" panose="020F0502020204030204" pitchFamily="34" charset="0"/>
+                        <a:ea typeface="Calibri" panose="020F0502020204030204" pitchFamily="34" charset="0"/>
+                        <a:cs typeface="Times New Roman" panose="02020603050405020304" pitchFamily="18" charset="0"/>
+                      </a:endParaRPr>
+                    </a:p>
+                  </a:txBody>
+                  <a:tcPr marL="68580" marR="68580" marT="0" marB="0"/>
+                </a:tc>
+                <a:tc>
+                  <a:txBody>
+                    <a:bodyPr/>
+                    <a:lstStyle/>
+                    <a:p>
+                      <a:pPr marL="0" marR="0">
+                        <a:lnSpc>
+                          <a:spcPct val="107000"/>
+                        </a:lnSpc>
+                        <a:spcBef>
+                          <a:spcPts val="0"/>
+                        </a:spcBef>
+                        <a:spcAft>
+                          <a:spcPts val="0"/>
+                        </a:spcAft>
+                      </a:pPr>
+                      <a:r>
+                        <a:rPr lang="en-US" sz="1000">
+                          <a:effectLst/>
+                        </a:rPr>
+                        <a:t>Lab: Keras – CNNs for image classification on fashion mnist dataset</a:t>
+                      </a:r>
+                      <a:endParaRPr lang="en-US" sz="1100">
+                        <a:effectLst/>
+                        <a:latin typeface="Calibri" panose="020F0502020204030204" pitchFamily="34" charset="0"/>
+                        <a:ea typeface="Calibri" panose="020F0502020204030204" pitchFamily="34" charset="0"/>
+                        <a:cs typeface="Times New Roman" panose="02020603050405020304" pitchFamily="18" charset="0"/>
+                      </a:endParaRPr>
+                    </a:p>
+                  </a:txBody>
+                  <a:tcPr marL="68580" marR="68580" marT="0" marB="0"/>
+                </a:tc>
+                <a:extLst>
+                  <a:ext uri="{0D108BD9-81ED-4DB2-BD59-A6C34878D82A}">
+                    <a16:rowId xmlns:a16="http://schemas.microsoft.com/office/drawing/2014/main" val="999131987"/>
+                  </a:ext>
+                </a:extLst>
+              </a:tr>
+              <a:tr h="294257">
+                <a:tc>
+                  <a:txBody>
+                    <a:bodyPr/>
+                    <a:lstStyle/>
+                    <a:p>
+                      <a:pPr marL="0" marR="0">
+                        <a:lnSpc>
+                          <a:spcPct val="107000"/>
+                        </a:lnSpc>
+                        <a:spcBef>
+                          <a:spcPts val="0"/>
+                        </a:spcBef>
+                        <a:spcAft>
+                          <a:spcPts val="0"/>
+                        </a:spcAft>
+                      </a:pPr>
+                      <a:r>
+                        <a:rPr lang="en-US" sz="1000">
+                          <a:effectLst/>
+                        </a:rPr>
+                        <a:t>2:15-2:30 PM</a:t>
+                      </a:r>
+                      <a:endParaRPr lang="en-US" sz="1100">
+                        <a:effectLst/>
+                        <a:latin typeface="Calibri" panose="020F0502020204030204" pitchFamily="34" charset="0"/>
+                        <a:ea typeface="Calibri" panose="020F0502020204030204" pitchFamily="34" charset="0"/>
+                        <a:cs typeface="Times New Roman" panose="02020603050405020304" pitchFamily="18" charset="0"/>
+                      </a:endParaRPr>
+                    </a:p>
+                  </a:txBody>
+                  <a:tcPr marL="68580" marR="68580" marT="0" marB="0"/>
+                </a:tc>
+                <a:tc>
+                  <a:txBody>
+                    <a:bodyPr/>
+                    <a:lstStyle/>
+                    <a:p>
+                      <a:pPr marL="0" marR="0">
+                        <a:lnSpc>
+                          <a:spcPct val="107000"/>
+                        </a:lnSpc>
+                        <a:spcBef>
+                          <a:spcPts val="0"/>
+                        </a:spcBef>
+                        <a:spcAft>
+                          <a:spcPts val="0"/>
+                        </a:spcAft>
+                      </a:pPr>
+                      <a:r>
+                        <a:rPr lang="en-US" sz="1000">
+                          <a:effectLst/>
+                        </a:rPr>
+                        <a:t>Break</a:t>
+                      </a:r>
+                      <a:endParaRPr lang="en-US" sz="1100">
+                        <a:effectLst/>
+                        <a:latin typeface="Calibri" panose="020F0502020204030204" pitchFamily="34" charset="0"/>
+                        <a:ea typeface="Calibri" panose="020F0502020204030204" pitchFamily="34" charset="0"/>
+                        <a:cs typeface="Times New Roman" panose="02020603050405020304" pitchFamily="18" charset="0"/>
+                      </a:endParaRPr>
+                    </a:p>
+                  </a:txBody>
+                  <a:tcPr marL="68580" marR="68580" marT="0" marB="0"/>
+                </a:tc>
+                <a:extLst>
+                  <a:ext uri="{0D108BD9-81ED-4DB2-BD59-A6C34878D82A}">
+                    <a16:rowId xmlns:a16="http://schemas.microsoft.com/office/drawing/2014/main" val="545167411"/>
+                  </a:ext>
+                </a:extLst>
+              </a:tr>
+              <a:tr h="294257">
+                <a:tc>
+                  <a:txBody>
+                    <a:bodyPr/>
+                    <a:lstStyle/>
+                    <a:p>
+                      <a:pPr marL="0" marR="0">
+                        <a:lnSpc>
+                          <a:spcPct val="107000"/>
+                        </a:lnSpc>
+                        <a:spcBef>
+                          <a:spcPts val="0"/>
+                        </a:spcBef>
+                        <a:spcAft>
+                          <a:spcPts val="0"/>
+                        </a:spcAft>
+                      </a:pPr>
+                      <a:r>
+                        <a:rPr lang="en-US" sz="1000">
+                          <a:effectLst/>
+                        </a:rPr>
+                        <a:t>2:30-3:30 PM</a:t>
+                      </a:r>
+                      <a:endParaRPr lang="en-US" sz="1100">
+                        <a:effectLst/>
+                        <a:latin typeface="Calibri" panose="020F0502020204030204" pitchFamily="34" charset="0"/>
+                        <a:ea typeface="Calibri" panose="020F0502020204030204" pitchFamily="34" charset="0"/>
+                        <a:cs typeface="Times New Roman" panose="02020603050405020304" pitchFamily="18" charset="0"/>
+                      </a:endParaRPr>
+                    </a:p>
+                  </a:txBody>
+                  <a:tcPr marL="68580" marR="68580" marT="0" marB="0"/>
+                </a:tc>
+                <a:tc>
+                  <a:txBody>
+                    <a:bodyPr/>
+                    <a:lstStyle/>
+                    <a:p>
+                      <a:pPr marL="0" marR="0">
+                        <a:lnSpc>
+                          <a:spcPct val="107000"/>
+                        </a:lnSpc>
+                        <a:spcBef>
+                          <a:spcPts val="0"/>
+                        </a:spcBef>
+                        <a:spcAft>
+                          <a:spcPts val="0"/>
+                        </a:spcAft>
+                      </a:pPr>
+                      <a:r>
+                        <a:rPr lang="en-US" sz="1000">
+                          <a:effectLst/>
+                        </a:rPr>
+                        <a:t>Application: Visual Search (with Demo) </a:t>
+                      </a:r>
+                      <a:endParaRPr lang="en-US" sz="1100">
+                        <a:effectLst/>
+                        <a:latin typeface="Calibri" panose="020F0502020204030204" pitchFamily="34" charset="0"/>
+                        <a:ea typeface="Calibri" panose="020F0502020204030204" pitchFamily="34" charset="0"/>
+                        <a:cs typeface="Times New Roman" panose="02020603050405020304" pitchFamily="18" charset="0"/>
+                      </a:endParaRPr>
+                    </a:p>
+                  </a:txBody>
+                  <a:tcPr marL="68580" marR="68580" marT="0" marB="0"/>
+                </a:tc>
+                <a:extLst>
+                  <a:ext uri="{0D108BD9-81ED-4DB2-BD59-A6C34878D82A}">
+                    <a16:rowId xmlns:a16="http://schemas.microsoft.com/office/drawing/2014/main" val="430387242"/>
+                  </a:ext>
+                </a:extLst>
+              </a:tr>
+              <a:tr h="294257">
+                <a:tc>
+                  <a:txBody>
+                    <a:bodyPr/>
+                    <a:lstStyle/>
+                    <a:p>
+                      <a:pPr marL="0" marR="0">
+                        <a:lnSpc>
+                          <a:spcPct val="107000"/>
+                        </a:lnSpc>
+                        <a:spcBef>
+                          <a:spcPts val="0"/>
+                        </a:spcBef>
+                        <a:spcAft>
+                          <a:spcPts val="0"/>
+                        </a:spcAft>
+                      </a:pPr>
+                      <a:r>
+                        <a:rPr lang="en-US" sz="1000">
+                          <a:effectLst/>
+                        </a:rPr>
+                        <a:t>3:30-4:30 PM</a:t>
+                      </a:r>
+                      <a:endParaRPr lang="en-US" sz="1100">
+                        <a:effectLst/>
+                        <a:latin typeface="Calibri" panose="020F0502020204030204" pitchFamily="34" charset="0"/>
+                        <a:ea typeface="Calibri" panose="020F0502020204030204" pitchFamily="34" charset="0"/>
+                        <a:cs typeface="Times New Roman" panose="02020603050405020304" pitchFamily="18" charset="0"/>
+                      </a:endParaRPr>
+                    </a:p>
+                  </a:txBody>
+                  <a:tcPr marL="68580" marR="68580" marT="0" marB="0"/>
+                </a:tc>
+                <a:tc>
+                  <a:txBody>
+                    <a:bodyPr/>
+                    <a:lstStyle/>
+                    <a:p>
+                      <a:pPr marL="0" marR="0">
+                        <a:lnSpc>
+                          <a:spcPct val="107000"/>
+                        </a:lnSpc>
+                        <a:spcBef>
+                          <a:spcPts val="0"/>
+                        </a:spcBef>
+                        <a:spcAft>
+                          <a:spcPts val="0"/>
+                        </a:spcAft>
+                      </a:pPr>
+                      <a:r>
+                        <a:rPr lang="en-US" sz="1000">
+                          <a:effectLst/>
+                        </a:rPr>
+                        <a:t>Cognitive Services for image/vision (with optional lab) </a:t>
+                      </a:r>
+                      <a:endParaRPr lang="en-US" sz="1100">
+                        <a:effectLst/>
+                        <a:latin typeface="Calibri" panose="020F0502020204030204" pitchFamily="34" charset="0"/>
+                        <a:ea typeface="Calibri" panose="020F0502020204030204" pitchFamily="34" charset="0"/>
+                        <a:cs typeface="Times New Roman" panose="02020603050405020304" pitchFamily="18" charset="0"/>
+                      </a:endParaRPr>
+                    </a:p>
+                  </a:txBody>
+                  <a:tcPr marL="68580" marR="68580" marT="0" marB="0"/>
+                </a:tc>
+                <a:extLst>
+                  <a:ext uri="{0D108BD9-81ED-4DB2-BD59-A6C34878D82A}">
+                    <a16:rowId xmlns:a16="http://schemas.microsoft.com/office/drawing/2014/main" val="3433382742"/>
+                  </a:ext>
+                </a:extLst>
+              </a:tr>
+              <a:tr h="294257">
+                <a:tc>
+                  <a:txBody>
+                    <a:bodyPr/>
+                    <a:lstStyle/>
+                    <a:p>
+                      <a:pPr marL="0" marR="0">
+                        <a:lnSpc>
+                          <a:spcPct val="107000"/>
+                        </a:lnSpc>
+                        <a:spcBef>
+                          <a:spcPts val="0"/>
+                        </a:spcBef>
+                        <a:spcAft>
+                          <a:spcPts val="0"/>
+                        </a:spcAft>
+                      </a:pPr>
+                      <a:r>
+                        <a:rPr lang="en-US" sz="1000">
+                          <a:effectLst/>
+                        </a:rPr>
+                        <a:t>4:30-5:00 PM</a:t>
+                      </a:r>
+                      <a:endParaRPr lang="en-US" sz="1100">
+                        <a:effectLst/>
+                        <a:latin typeface="Calibri" panose="020F0502020204030204" pitchFamily="34" charset="0"/>
+                        <a:ea typeface="Calibri" panose="020F0502020204030204" pitchFamily="34" charset="0"/>
+                        <a:cs typeface="Times New Roman" panose="02020603050405020304" pitchFamily="18" charset="0"/>
+                      </a:endParaRPr>
+                    </a:p>
+                  </a:txBody>
+                  <a:tcPr marL="68580" marR="68580" marT="0" marB="0"/>
+                </a:tc>
+                <a:tc>
+                  <a:txBody>
+                    <a:bodyPr/>
+                    <a:lstStyle/>
+                    <a:p>
+                      <a:pPr marL="0" marR="0">
+                        <a:lnSpc>
+                          <a:spcPct val="107000"/>
+                        </a:lnSpc>
+                        <a:spcBef>
+                          <a:spcPts val="0"/>
+                        </a:spcBef>
+                        <a:spcAft>
+                          <a:spcPts val="0"/>
+                        </a:spcAft>
+                      </a:pPr>
+                      <a:r>
+                        <a:rPr lang="en-US" sz="1000" dirty="0">
+                          <a:effectLst/>
+                        </a:rPr>
+                        <a:t>Conclusion – Q&amp;A</a:t>
+                      </a:r>
+                      <a:endParaRPr lang="en-US" sz="1100" dirty="0">
+                        <a:effectLst/>
+                        <a:latin typeface="Calibri" panose="020F0502020204030204" pitchFamily="34" charset="0"/>
+                        <a:ea typeface="Calibri" panose="020F0502020204030204" pitchFamily="34" charset="0"/>
+                        <a:cs typeface="Times New Roman" panose="02020603050405020304" pitchFamily="18" charset="0"/>
+                      </a:endParaRPr>
+                    </a:p>
+                  </a:txBody>
+                  <a:tcPr marL="68580" marR="68580" marT="0" marB="0"/>
+                </a:tc>
+                <a:extLst>
+                  <a:ext uri="{0D108BD9-81ED-4DB2-BD59-A6C34878D82A}">
+                    <a16:rowId xmlns:a16="http://schemas.microsoft.com/office/drawing/2014/main" val="1388020689"/>
+                  </a:ext>
+                </a:extLst>
+              </a:tr>
+            </a:tbl>
+          </a:graphicData>
+        </a:graphic>
+      </p:graphicFrame>
+      <p:graphicFrame>
+        <p:nvGraphicFramePr>
+          <p:cNvPr id="11" name="Content Placeholder 10">
+            <a:extLst>
+              <a:ext uri="{FF2B5EF4-FFF2-40B4-BE49-F238E27FC236}">
+                <a16:creationId xmlns:a16="http://schemas.microsoft.com/office/drawing/2014/main" id="{F4F696EF-D6E9-FD47-86BF-16FCFB58C59C}"/>
+              </a:ext>
+            </a:extLst>
+          </p:cNvPr>
+          <p:cNvGraphicFramePr>
+            <a:graphicFrameLocks noGrp="1"/>
+          </p:cNvGraphicFramePr>
+          <p:nvPr>
+            <p:ph sz="half" idx="2"/>
+            <p:extLst>
+              <p:ext uri="{D42A27DB-BD31-4B8C-83A1-F6EECF244321}">
+                <p14:modId xmlns:p14="http://schemas.microsoft.com/office/powerpoint/2010/main" val="2441777429"/>
+              </p:ext>
+            </p:extLst>
+          </p:nvPr>
+        </p:nvGraphicFramePr>
+        <p:xfrm>
+          <a:off x="6172202" y="1690688"/>
+          <a:ext cx="5425909" cy="4486283"/>
+        </p:xfrm>
+        <a:graphic>
+          <a:graphicData uri="http://schemas.openxmlformats.org/drawingml/2006/table">
+            <a:tbl>
+              <a:tblPr firstRow="1" firstCol="1" bandRow="1">
+                <a:tableStyleId>{5C22544A-7EE6-4342-B048-85BDC9FD1C3A}</a:tableStyleId>
+              </a:tblPr>
+              <a:tblGrid>
+                <a:gridCol w="1174311">
+                  <a:extLst>
+                    <a:ext uri="{9D8B030D-6E8A-4147-A177-3AD203B41FA5}">
+                      <a16:colId xmlns:a16="http://schemas.microsoft.com/office/drawing/2014/main" val="3357370938"/>
+                    </a:ext>
+                  </a:extLst>
+                </a:gridCol>
+                <a:gridCol w="4251598">
+                  <a:extLst>
+                    <a:ext uri="{9D8B030D-6E8A-4147-A177-3AD203B41FA5}">
+                      <a16:colId xmlns:a16="http://schemas.microsoft.com/office/drawing/2014/main" val="2047531183"/>
+                    </a:ext>
+                  </a:extLst>
+                </a:gridCol>
+              </a:tblGrid>
+              <a:tr h="291754">
+                <a:tc>
+                  <a:txBody>
+                    <a:bodyPr/>
+                    <a:lstStyle/>
+                    <a:p>
+                      <a:pPr marL="0" marR="0">
+                        <a:lnSpc>
+                          <a:spcPct val="107000"/>
+                        </a:lnSpc>
+                        <a:spcBef>
+                          <a:spcPts val="0"/>
+                        </a:spcBef>
+                        <a:spcAft>
+                          <a:spcPts val="0"/>
+                        </a:spcAft>
+                      </a:pPr>
+                      <a:r>
+                        <a:rPr lang="en-US" sz="1000">
+                          <a:effectLst/>
+                        </a:rPr>
+                        <a:t>Time</a:t>
+                      </a:r>
+                      <a:endParaRPr lang="en-US" sz="1100">
+                        <a:effectLst/>
+                        <a:latin typeface="Calibri" panose="020F0502020204030204" pitchFamily="34" charset="0"/>
+                        <a:ea typeface="Calibri" panose="020F0502020204030204" pitchFamily="34" charset="0"/>
+                        <a:cs typeface="Times New Roman" panose="02020603050405020304" pitchFamily="18" charset="0"/>
+                      </a:endParaRPr>
+                    </a:p>
+                  </a:txBody>
+                  <a:tcPr marL="68580" marR="68580" marT="0" marB="0"/>
+                </a:tc>
+                <a:tc>
+                  <a:txBody>
+                    <a:bodyPr/>
+                    <a:lstStyle/>
+                    <a:p>
+                      <a:pPr marL="0" marR="0">
+                        <a:lnSpc>
+                          <a:spcPct val="107000"/>
+                        </a:lnSpc>
+                        <a:spcBef>
+                          <a:spcPts val="0"/>
+                        </a:spcBef>
+                        <a:spcAft>
+                          <a:spcPts val="0"/>
+                        </a:spcAft>
+                      </a:pPr>
+                      <a:r>
+                        <a:rPr lang="en-US" sz="1000">
+                          <a:effectLst/>
+                        </a:rPr>
+                        <a:t>Topic </a:t>
+                      </a:r>
+                      <a:endParaRPr lang="en-US" sz="1100">
+                        <a:effectLst/>
+                        <a:latin typeface="Calibri" panose="020F0502020204030204" pitchFamily="34" charset="0"/>
+                        <a:ea typeface="Calibri" panose="020F0502020204030204" pitchFamily="34" charset="0"/>
+                        <a:cs typeface="Times New Roman" panose="02020603050405020304" pitchFamily="18" charset="0"/>
+                      </a:endParaRPr>
+                    </a:p>
+                  </a:txBody>
+                  <a:tcPr marL="68580" marR="68580" marT="0" marB="0"/>
+                </a:tc>
+                <a:extLst>
+                  <a:ext uri="{0D108BD9-81ED-4DB2-BD59-A6C34878D82A}">
+                    <a16:rowId xmlns:a16="http://schemas.microsoft.com/office/drawing/2014/main" val="2682467371"/>
+                  </a:ext>
+                </a:extLst>
+              </a:tr>
+              <a:tr h="291754">
+                <a:tc>
+                  <a:txBody>
+                    <a:bodyPr/>
+                    <a:lstStyle/>
+                    <a:p>
+                      <a:pPr marL="0" marR="0">
+                        <a:lnSpc>
+                          <a:spcPct val="107000"/>
+                        </a:lnSpc>
+                        <a:spcBef>
+                          <a:spcPts val="0"/>
+                        </a:spcBef>
+                        <a:spcAft>
+                          <a:spcPts val="0"/>
+                        </a:spcAft>
+                      </a:pPr>
+                      <a:r>
+                        <a:rPr lang="en-US" sz="1000">
+                          <a:effectLst/>
+                        </a:rPr>
+                        <a:t>8:30 AM </a:t>
+                      </a:r>
+                      <a:endParaRPr lang="en-US" sz="1100">
+                        <a:effectLst/>
+                        <a:latin typeface="Calibri" panose="020F0502020204030204" pitchFamily="34" charset="0"/>
+                        <a:ea typeface="Calibri" panose="020F0502020204030204" pitchFamily="34" charset="0"/>
+                        <a:cs typeface="Times New Roman" panose="02020603050405020304" pitchFamily="18" charset="0"/>
+                      </a:endParaRPr>
+                    </a:p>
+                  </a:txBody>
+                  <a:tcPr marL="68580" marR="68580" marT="0" marB="0"/>
+                </a:tc>
+                <a:tc>
+                  <a:txBody>
+                    <a:bodyPr/>
+                    <a:lstStyle/>
+                    <a:p>
+                      <a:pPr marL="0" marR="0">
+                        <a:lnSpc>
+                          <a:spcPct val="107000"/>
+                        </a:lnSpc>
+                        <a:spcBef>
+                          <a:spcPts val="0"/>
+                        </a:spcBef>
+                        <a:spcAft>
+                          <a:spcPts val="0"/>
+                        </a:spcAft>
+                      </a:pPr>
+                      <a:r>
+                        <a:rPr lang="en-US" sz="1000">
+                          <a:effectLst/>
+                        </a:rPr>
+                        <a:t>Breakfast &amp; Registration</a:t>
+                      </a:r>
+                      <a:endParaRPr lang="en-US" sz="1100">
+                        <a:effectLst/>
+                        <a:latin typeface="Calibri" panose="020F0502020204030204" pitchFamily="34" charset="0"/>
+                        <a:ea typeface="Calibri" panose="020F0502020204030204" pitchFamily="34" charset="0"/>
+                        <a:cs typeface="Times New Roman" panose="02020603050405020304" pitchFamily="18" charset="0"/>
+                      </a:endParaRPr>
+                    </a:p>
+                  </a:txBody>
+                  <a:tcPr marL="68580" marR="68580" marT="0" marB="0"/>
+                </a:tc>
+                <a:extLst>
+                  <a:ext uri="{0D108BD9-81ED-4DB2-BD59-A6C34878D82A}">
+                    <a16:rowId xmlns:a16="http://schemas.microsoft.com/office/drawing/2014/main" val="1858083317"/>
+                  </a:ext>
+                </a:extLst>
+              </a:tr>
+              <a:tr h="291754">
+                <a:tc>
+                  <a:txBody>
+                    <a:bodyPr/>
+                    <a:lstStyle/>
+                    <a:p>
+                      <a:pPr marL="0" marR="0">
+                        <a:lnSpc>
+                          <a:spcPct val="107000"/>
+                        </a:lnSpc>
+                        <a:spcBef>
+                          <a:spcPts val="0"/>
+                        </a:spcBef>
+                        <a:spcAft>
+                          <a:spcPts val="0"/>
+                        </a:spcAft>
+                      </a:pPr>
+                      <a:r>
+                        <a:rPr lang="en-US" sz="1000">
+                          <a:effectLst/>
+                        </a:rPr>
+                        <a:t>9:00-9:45 AM</a:t>
+                      </a:r>
+                      <a:endParaRPr lang="en-US" sz="1100">
+                        <a:effectLst/>
+                        <a:latin typeface="Calibri" panose="020F0502020204030204" pitchFamily="34" charset="0"/>
+                        <a:ea typeface="Calibri" panose="020F0502020204030204" pitchFamily="34" charset="0"/>
+                        <a:cs typeface="Times New Roman" panose="02020603050405020304" pitchFamily="18" charset="0"/>
+                      </a:endParaRPr>
+                    </a:p>
+                  </a:txBody>
+                  <a:tcPr marL="68580" marR="68580" marT="0" marB="0"/>
+                </a:tc>
+                <a:tc>
+                  <a:txBody>
+                    <a:bodyPr/>
+                    <a:lstStyle/>
+                    <a:p>
+                      <a:pPr marL="0" marR="0">
+                        <a:lnSpc>
+                          <a:spcPct val="107000"/>
+                        </a:lnSpc>
+                        <a:spcBef>
+                          <a:spcPts val="0"/>
+                        </a:spcBef>
+                        <a:spcAft>
+                          <a:spcPts val="0"/>
+                        </a:spcAft>
+                      </a:pPr>
+                      <a:r>
+                        <a:rPr lang="en-US" sz="1000">
+                          <a:effectLst/>
+                        </a:rPr>
+                        <a:t>Session: Introduction to Recurrent Neural Networks  </a:t>
+                      </a:r>
+                      <a:endParaRPr lang="en-US" sz="1100">
+                        <a:effectLst/>
+                        <a:latin typeface="Calibri" panose="020F0502020204030204" pitchFamily="34" charset="0"/>
+                        <a:ea typeface="Calibri" panose="020F0502020204030204" pitchFamily="34" charset="0"/>
+                        <a:cs typeface="Times New Roman" panose="02020603050405020304" pitchFamily="18" charset="0"/>
+                      </a:endParaRPr>
+                    </a:p>
+                  </a:txBody>
+                  <a:tcPr marL="68580" marR="68580" marT="0" marB="0"/>
+                </a:tc>
+                <a:extLst>
+                  <a:ext uri="{0D108BD9-81ED-4DB2-BD59-A6C34878D82A}">
+                    <a16:rowId xmlns:a16="http://schemas.microsoft.com/office/drawing/2014/main" val="1106662981"/>
+                  </a:ext>
+                </a:extLst>
+              </a:tr>
+              <a:tr h="426812">
+                <a:tc>
+                  <a:txBody>
+                    <a:bodyPr/>
+                    <a:lstStyle/>
+                    <a:p>
+                      <a:pPr marL="0" marR="0">
+                        <a:lnSpc>
+                          <a:spcPct val="107000"/>
+                        </a:lnSpc>
+                        <a:spcBef>
+                          <a:spcPts val="0"/>
+                        </a:spcBef>
+                        <a:spcAft>
+                          <a:spcPts val="0"/>
+                        </a:spcAft>
+                      </a:pPr>
+                      <a:r>
+                        <a:rPr lang="en-US" sz="1100">
+                          <a:effectLst/>
+                        </a:rPr>
+                        <a:t>9:45-10:30 AM</a:t>
+                      </a:r>
+                      <a:endParaRPr lang="en-US" sz="1100">
+                        <a:effectLst/>
+                        <a:latin typeface="Calibri" panose="020F0502020204030204" pitchFamily="34" charset="0"/>
+                        <a:ea typeface="Calibri" panose="020F0502020204030204" pitchFamily="34" charset="0"/>
+                        <a:cs typeface="Times New Roman" panose="02020603050405020304" pitchFamily="18" charset="0"/>
+                      </a:endParaRPr>
+                    </a:p>
+                  </a:txBody>
+                  <a:tcPr marL="68580" marR="68580" marT="0" marB="0"/>
+                </a:tc>
+                <a:tc>
+                  <a:txBody>
+                    <a:bodyPr/>
+                    <a:lstStyle/>
+                    <a:p>
+                      <a:pPr marL="0" marR="0">
+                        <a:lnSpc>
+                          <a:spcPct val="107000"/>
+                        </a:lnSpc>
+                        <a:spcBef>
+                          <a:spcPts val="0"/>
+                        </a:spcBef>
+                        <a:spcAft>
+                          <a:spcPts val="0"/>
+                        </a:spcAft>
+                      </a:pPr>
+                      <a:r>
+                        <a:rPr lang="en-US" sz="1000">
+                          <a:effectLst/>
+                        </a:rPr>
+                        <a:t>Lab: Character models with char-rnn</a:t>
+                      </a:r>
+                      <a:endParaRPr lang="en-US" sz="1100">
+                        <a:effectLst/>
+                        <a:latin typeface="Calibri" panose="020F0502020204030204" pitchFamily="34" charset="0"/>
+                        <a:ea typeface="Calibri" panose="020F0502020204030204" pitchFamily="34" charset="0"/>
+                        <a:cs typeface="Times New Roman" panose="02020603050405020304" pitchFamily="18" charset="0"/>
+                      </a:endParaRPr>
+                    </a:p>
+                  </a:txBody>
+                  <a:tcPr marL="68580" marR="68580" marT="0" marB="0"/>
+                </a:tc>
+                <a:extLst>
+                  <a:ext uri="{0D108BD9-81ED-4DB2-BD59-A6C34878D82A}">
+                    <a16:rowId xmlns:a16="http://schemas.microsoft.com/office/drawing/2014/main" val="3023167439"/>
+                  </a:ext>
+                </a:extLst>
+              </a:tr>
+              <a:tr h="426812">
+                <a:tc>
+                  <a:txBody>
+                    <a:bodyPr/>
+                    <a:lstStyle/>
+                    <a:p>
+                      <a:pPr marL="0" marR="0">
+                        <a:lnSpc>
+                          <a:spcPct val="107000"/>
+                        </a:lnSpc>
+                        <a:spcBef>
+                          <a:spcPts val="0"/>
+                        </a:spcBef>
+                        <a:spcAft>
+                          <a:spcPts val="0"/>
+                        </a:spcAft>
+                      </a:pPr>
+                      <a:r>
+                        <a:rPr lang="en-US" sz="1000">
+                          <a:effectLst/>
+                        </a:rPr>
+                        <a:t>10:30-10:45 AM</a:t>
+                      </a:r>
+                      <a:endParaRPr lang="en-US" sz="1100">
+                        <a:effectLst/>
+                        <a:latin typeface="Calibri" panose="020F0502020204030204" pitchFamily="34" charset="0"/>
+                        <a:ea typeface="Calibri" panose="020F0502020204030204" pitchFamily="34" charset="0"/>
+                        <a:cs typeface="Times New Roman" panose="02020603050405020304" pitchFamily="18" charset="0"/>
+                      </a:endParaRPr>
+                    </a:p>
+                  </a:txBody>
+                  <a:tcPr marL="68580" marR="68580" marT="0" marB="0"/>
+                </a:tc>
+                <a:tc>
+                  <a:txBody>
+                    <a:bodyPr/>
+                    <a:lstStyle/>
+                    <a:p>
+                      <a:pPr marL="0" marR="0">
+                        <a:lnSpc>
+                          <a:spcPct val="107000"/>
+                        </a:lnSpc>
+                        <a:spcBef>
+                          <a:spcPts val="0"/>
+                        </a:spcBef>
+                        <a:spcAft>
+                          <a:spcPts val="0"/>
+                        </a:spcAft>
+                      </a:pPr>
+                      <a:r>
+                        <a:rPr lang="en-US" sz="1000">
+                          <a:effectLst/>
+                        </a:rPr>
+                        <a:t>Break</a:t>
+                      </a:r>
+                      <a:endParaRPr lang="en-US" sz="1100">
+                        <a:effectLst/>
+                        <a:latin typeface="Calibri" panose="020F0502020204030204" pitchFamily="34" charset="0"/>
+                        <a:ea typeface="Calibri" panose="020F0502020204030204" pitchFamily="34" charset="0"/>
+                        <a:cs typeface="Times New Roman" panose="02020603050405020304" pitchFamily="18" charset="0"/>
+                      </a:endParaRPr>
+                    </a:p>
+                  </a:txBody>
+                  <a:tcPr marL="68580" marR="68580" marT="0" marB="0"/>
+                </a:tc>
+                <a:extLst>
+                  <a:ext uri="{0D108BD9-81ED-4DB2-BD59-A6C34878D82A}">
+                    <a16:rowId xmlns:a16="http://schemas.microsoft.com/office/drawing/2014/main" val="2004600161"/>
+                  </a:ext>
+                </a:extLst>
+              </a:tr>
+              <a:tr h="291754">
+                <a:tc>
+                  <a:txBody>
+                    <a:bodyPr/>
+                    <a:lstStyle/>
+                    <a:p>
+                      <a:pPr marL="0" marR="0">
+                        <a:lnSpc>
+                          <a:spcPct val="107000"/>
+                        </a:lnSpc>
+                        <a:spcBef>
+                          <a:spcPts val="0"/>
+                        </a:spcBef>
+                        <a:spcAft>
+                          <a:spcPts val="0"/>
+                        </a:spcAft>
+                      </a:pPr>
+                      <a:r>
+                        <a:rPr lang="en-US" sz="1000">
+                          <a:effectLst/>
+                        </a:rPr>
+                        <a:t>10:45-11:30 AM</a:t>
+                      </a:r>
+                      <a:endParaRPr lang="en-US" sz="1100">
+                        <a:effectLst/>
+                        <a:latin typeface="Calibri" panose="020F0502020204030204" pitchFamily="34" charset="0"/>
+                        <a:ea typeface="Calibri" panose="020F0502020204030204" pitchFamily="34" charset="0"/>
+                        <a:cs typeface="Times New Roman" panose="02020603050405020304" pitchFamily="18" charset="0"/>
+                      </a:endParaRPr>
+                    </a:p>
+                  </a:txBody>
+                  <a:tcPr marL="68580" marR="68580" marT="0" marB="0"/>
+                </a:tc>
+                <a:tc>
+                  <a:txBody>
+                    <a:bodyPr/>
+                    <a:lstStyle/>
+                    <a:p>
+                      <a:pPr marL="0" marR="0">
+                        <a:lnSpc>
+                          <a:spcPct val="107000"/>
+                        </a:lnSpc>
+                        <a:spcBef>
+                          <a:spcPts val="0"/>
+                        </a:spcBef>
+                        <a:spcAft>
+                          <a:spcPts val="0"/>
+                        </a:spcAft>
+                      </a:pPr>
+                      <a:r>
+                        <a:rPr lang="en-US" sz="1000">
+                          <a:effectLst/>
+                        </a:rPr>
+                        <a:t>Session: Word Embeddings</a:t>
+                      </a:r>
+                      <a:endParaRPr lang="en-US" sz="1100">
+                        <a:effectLst/>
+                        <a:latin typeface="Calibri" panose="020F0502020204030204" pitchFamily="34" charset="0"/>
+                        <a:ea typeface="Calibri" panose="020F0502020204030204" pitchFamily="34" charset="0"/>
+                        <a:cs typeface="Times New Roman" panose="02020603050405020304" pitchFamily="18" charset="0"/>
+                      </a:endParaRPr>
+                    </a:p>
+                  </a:txBody>
+                  <a:tcPr marL="68580" marR="68580" marT="0" marB="0"/>
+                </a:tc>
+                <a:extLst>
+                  <a:ext uri="{0D108BD9-81ED-4DB2-BD59-A6C34878D82A}">
+                    <a16:rowId xmlns:a16="http://schemas.microsoft.com/office/drawing/2014/main" val="1131195894"/>
+                  </a:ext>
+                </a:extLst>
+              </a:tr>
+              <a:tr h="320883">
+                <a:tc>
+                  <a:txBody>
+                    <a:bodyPr/>
+                    <a:lstStyle/>
+                    <a:p>
+                      <a:pPr marL="0" marR="0">
+                        <a:lnSpc>
+                          <a:spcPct val="107000"/>
+                        </a:lnSpc>
+                        <a:spcBef>
+                          <a:spcPts val="0"/>
+                        </a:spcBef>
+                        <a:spcAft>
+                          <a:spcPts val="0"/>
+                        </a:spcAft>
+                      </a:pPr>
+                      <a:r>
+                        <a:rPr lang="en-US" sz="1000">
+                          <a:effectLst/>
+                        </a:rPr>
+                        <a:t>11:30-12:15 PM</a:t>
+                      </a:r>
+                      <a:endParaRPr lang="en-US" sz="1100">
+                        <a:effectLst/>
+                        <a:latin typeface="Calibri" panose="020F0502020204030204" pitchFamily="34" charset="0"/>
+                        <a:ea typeface="Calibri" panose="020F0502020204030204" pitchFamily="34" charset="0"/>
+                        <a:cs typeface="Times New Roman" panose="02020603050405020304" pitchFamily="18" charset="0"/>
+                      </a:endParaRPr>
+                    </a:p>
+                  </a:txBody>
+                  <a:tcPr marL="68580" marR="68580" marT="0" marB="0"/>
+                </a:tc>
+                <a:tc>
+                  <a:txBody>
+                    <a:bodyPr/>
+                    <a:lstStyle/>
+                    <a:p>
+                      <a:pPr marL="0" marR="0">
+                        <a:lnSpc>
+                          <a:spcPct val="107000"/>
+                        </a:lnSpc>
+                        <a:spcBef>
+                          <a:spcPts val="0"/>
+                        </a:spcBef>
+                        <a:spcAft>
+                          <a:spcPts val="0"/>
+                        </a:spcAft>
+                      </a:pPr>
+                      <a:r>
+                        <a:rPr lang="en-US" sz="1100">
+                          <a:effectLst/>
+                        </a:rPr>
+                        <a:t>Lab: </a:t>
+                      </a:r>
+                      <a:r>
+                        <a:rPr lang="en-US" sz="1000">
+                          <a:effectLst/>
+                        </a:rPr>
+                        <a:t>LSTM with Keras - sentiment analysis on imdb movie reviews</a:t>
+                      </a:r>
+                      <a:endParaRPr lang="en-US" sz="1100">
+                        <a:effectLst/>
+                        <a:latin typeface="Calibri" panose="020F0502020204030204" pitchFamily="34" charset="0"/>
+                        <a:ea typeface="Calibri" panose="020F0502020204030204" pitchFamily="34" charset="0"/>
+                        <a:cs typeface="Times New Roman" panose="02020603050405020304" pitchFamily="18" charset="0"/>
+                      </a:endParaRPr>
+                    </a:p>
+                  </a:txBody>
+                  <a:tcPr marL="68580" marR="68580" marT="0" marB="0"/>
+                </a:tc>
+                <a:extLst>
+                  <a:ext uri="{0D108BD9-81ED-4DB2-BD59-A6C34878D82A}">
+                    <a16:rowId xmlns:a16="http://schemas.microsoft.com/office/drawing/2014/main" val="3592797320"/>
+                  </a:ext>
+                </a:extLst>
+              </a:tr>
+              <a:tr h="291754">
+                <a:tc>
+                  <a:txBody>
+                    <a:bodyPr/>
+                    <a:lstStyle/>
+                    <a:p>
+                      <a:pPr marL="0" marR="0">
+                        <a:lnSpc>
+                          <a:spcPct val="107000"/>
+                        </a:lnSpc>
+                        <a:spcBef>
+                          <a:spcPts val="0"/>
+                        </a:spcBef>
+                        <a:spcAft>
+                          <a:spcPts val="0"/>
+                        </a:spcAft>
+                      </a:pPr>
+                      <a:r>
+                        <a:rPr lang="en-US" sz="1000">
+                          <a:effectLst/>
+                        </a:rPr>
+                        <a:t>12:15-1:15 PM</a:t>
+                      </a:r>
+                      <a:endParaRPr lang="en-US" sz="1100">
+                        <a:effectLst/>
+                        <a:latin typeface="Calibri" panose="020F0502020204030204" pitchFamily="34" charset="0"/>
+                        <a:ea typeface="Calibri" panose="020F0502020204030204" pitchFamily="34" charset="0"/>
+                        <a:cs typeface="Times New Roman" panose="02020603050405020304" pitchFamily="18" charset="0"/>
+                      </a:endParaRPr>
+                    </a:p>
+                  </a:txBody>
+                  <a:tcPr marL="68580" marR="68580" marT="0" marB="0"/>
+                </a:tc>
+                <a:tc>
+                  <a:txBody>
+                    <a:bodyPr/>
+                    <a:lstStyle/>
+                    <a:p>
+                      <a:pPr marL="0" marR="0">
+                        <a:lnSpc>
+                          <a:spcPct val="107000"/>
+                        </a:lnSpc>
+                        <a:spcBef>
+                          <a:spcPts val="0"/>
+                        </a:spcBef>
+                        <a:spcAft>
+                          <a:spcPts val="0"/>
+                        </a:spcAft>
+                      </a:pPr>
+                      <a:r>
+                        <a:rPr lang="en-US" sz="1000">
+                          <a:effectLst/>
+                        </a:rPr>
+                        <a:t>Lunch Break</a:t>
+                      </a:r>
+                      <a:endParaRPr lang="en-US" sz="1100">
+                        <a:effectLst/>
+                        <a:latin typeface="Calibri" panose="020F0502020204030204" pitchFamily="34" charset="0"/>
+                        <a:ea typeface="Calibri" panose="020F0502020204030204" pitchFamily="34" charset="0"/>
+                        <a:cs typeface="Times New Roman" panose="02020603050405020304" pitchFamily="18" charset="0"/>
+                      </a:endParaRPr>
+                    </a:p>
+                  </a:txBody>
+                  <a:tcPr marL="68580" marR="68580" marT="0" marB="0"/>
+                </a:tc>
+                <a:extLst>
+                  <a:ext uri="{0D108BD9-81ED-4DB2-BD59-A6C34878D82A}">
+                    <a16:rowId xmlns:a16="http://schemas.microsoft.com/office/drawing/2014/main" val="660590445"/>
+                  </a:ext>
+                </a:extLst>
+              </a:tr>
+              <a:tr h="291754">
+                <a:tc>
+                  <a:txBody>
+                    <a:bodyPr/>
+                    <a:lstStyle/>
+                    <a:p>
+                      <a:pPr marL="0" marR="0">
+                        <a:lnSpc>
+                          <a:spcPct val="107000"/>
+                        </a:lnSpc>
+                        <a:spcBef>
+                          <a:spcPts val="0"/>
+                        </a:spcBef>
+                        <a:spcAft>
+                          <a:spcPts val="0"/>
+                        </a:spcAft>
+                      </a:pPr>
+                      <a:r>
+                        <a:rPr lang="en-US" sz="1000">
+                          <a:effectLst/>
+                        </a:rPr>
+                        <a:t>1:15-2:15 PM</a:t>
+                      </a:r>
+                      <a:endParaRPr lang="en-US" sz="1100">
+                        <a:effectLst/>
+                        <a:latin typeface="Calibri" panose="020F0502020204030204" pitchFamily="34" charset="0"/>
+                        <a:ea typeface="Calibri" panose="020F0502020204030204" pitchFamily="34" charset="0"/>
+                        <a:cs typeface="Times New Roman" panose="02020603050405020304" pitchFamily="18" charset="0"/>
+                      </a:endParaRPr>
+                    </a:p>
+                  </a:txBody>
+                  <a:tcPr marL="68580" marR="68580" marT="0" marB="0"/>
+                </a:tc>
+                <a:tc>
+                  <a:txBody>
+                    <a:bodyPr/>
+                    <a:lstStyle/>
+                    <a:p>
+                      <a:pPr marL="0" marR="0">
+                        <a:lnSpc>
+                          <a:spcPct val="107000"/>
+                        </a:lnSpc>
+                        <a:spcBef>
+                          <a:spcPts val="0"/>
+                        </a:spcBef>
+                        <a:spcAft>
+                          <a:spcPts val="0"/>
+                        </a:spcAft>
+                      </a:pPr>
+                      <a:r>
+                        <a:rPr lang="en-US" sz="1000">
+                          <a:effectLst/>
+                        </a:rPr>
+                        <a:t>Session: Introduction to auto-encoders</a:t>
+                      </a:r>
+                      <a:endParaRPr lang="en-US" sz="1100">
+                        <a:effectLst/>
+                        <a:latin typeface="Calibri" panose="020F0502020204030204" pitchFamily="34" charset="0"/>
+                        <a:ea typeface="Calibri" panose="020F0502020204030204" pitchFamily="34" charset="0"/>
+                        <a:cs typeface="Times New Roman" panose="02020603050405020304" pitchFamily="18" charset="0"/>
+                      </a:endParaRPr>
+                    </a:p>
+                  </a:txBody>
+                  <a:tcPr marL="68580" marR="68580" marT="0" marB="0"/>
+                </a:tc>
+                <a:extLst>
+                  <a:ext uri="{0D108BD9-81ED-4DB2-BD59-A6C34878D82A}">
+                    <a16:rowId xmlns:a16="http://schemas.microsoft.com/office/drawing/2014/main" val="1050474036"/>
+                  </a:ext>
+                </a:extLst>
+              </a:tr>
+              <a:tr h="656743">
+                <a:tc>
+                  <a:txBody>
+                    <a:bodyPr/>
+                    <a:lstStyle/>
+                    <a:p>
+                      <a:pPr marL="0" marR="0">
+                        <a:lnSpc>
+                          <a:spcPct val="107000"/>
+                        </a:lnSpc>
+                        <a:spcBef>
+                          <a:spcPts val="0"/>
+                        </a:spcBef>
+                        <a:spcAft>
+                          <a:spcPts val="0"/>
+                        </a:spcAft>
+                      </a:pPr>
+                      <a:r>
+                        <a:rPr lang="en-US" sz="1000">
+                          <a:effectLst/>
+                        </a:rPr>
+                        <a:t>2:15-3:15 PM</a:t>
+                      </a:r>
+                      <a:endParaRPr lang="en-US" sz="1100">
+                        <a:effectLst/>
+                        <a:latin typeface="Calibri" panose="020F0502020204030204" pitchFamily="34" charset="0"/>
+                        <a:ea typeface="Calibri" panose="020F0502020204030204" pitchFamily="34" charset="0"/>
+                        <a:cs typeface="Times New Roman" panose="02020603050405020304" pitchFamily="18" charset="0"/>
+                      </a:endParaRPr>
+                    </a:p>
+                  </a:txBody>
+                  <a:tcPr marL="68580" marR="68580" marT="0" marB="0"/>
+                </a:tc>
+                <a:tc>
+                  <a:txBody>
+                    <a:bodyPr/>
+                    <a:lstStyle/>
+                    <a:p>
+                      <a:pPr marL="0" marR="0">
+                        <a:lnSpc>
+                          <a:spcPct val="107000"/>
+                        </a:lnSpc>
+                        <a:spcBef>
+                          <a:spcPts val="0"/>
+                        </a:spcBef>
+                        <a:spcAft>
+                          <a:spcPts val="0"/>
+                        </a:spcAft>
+                      </a:pPr>
+                      <a:r>
+                        <a:rPr lang="en-US" sz="1100">
+                          <a:effectLst/>
+                        </a:rPr>
+                        <a:t>Application: Document retrieval with auto-encoders (with demo)</a:t>
+                      </a:r>
+                      <a:endParaRPr lang="en-US" sz="1100">
+                        <a:effectLst/>
+                        <a:latin typeface="Calibri" panose="020F0502020204030204" pitchFamily="34" charset="0"/>
+                        <a:ea typeface="Calibri" panose="020F0502020204030204" pitchFamily="34" charset="0"/>
+                        <a:cs typeface="Times New Roman" panose="02020603050405020304" pitchFamily="18" charset="0"/>
+                      </a:endParaRPr>
+                    </a:p>
+                  </a:txBody>
+                  <a:tcPr marL="68580" marR="68580" marT="0" marB="0"/>
+                </a:tc>
+                <a:extLst>
+                  <a:ext uri="{0D108BD9-81ED-4DB2-BD59-A6C34878D82A}">
+                    <a16:rowId xmlns:a16="http://schemas.microsoft.com/office/drawing/2014/main" val="1417025473"/>
+                  </a:ext>
+                </a:extLst>
+              </a:tr>
+              <a:tr h="291754">
+                <a:tc>
+                  <a:txBody>
+                    <a:bodyPr/>
+                    <a:lstStyle/>
+                    <a:p>
+                      <a:pPr marL="0" marR="0">
+                        <a:lnSpc>
+                          <a:spcPct val="107000"/>
+                        </a:lnSpc>
+                        <a:spcBef>
+                          <a:spcPts val="0"/>
+                        </a:spcBef>
+                        <a:spcAft>
+                          <a:spcPts val="0"/>
+                        </a:spcAft>
+                      </a:pPr>
+                      <a:r>
+                        <a:rPr lang="en-US" sz="1000">
+                          <a:effectLst/>
+                        </a:rPr>
+                        <a:t>3:15-3:30 PM</a:t>
+                      </a:r>
+                      <a:endParaRPr lang="en-US" sz="1100">
+                        <a:effectLst/>
+                        <a:latin typeface="Calibri" panose="020F0502020204030204" pitchFamily="34" charset="0"/>
+                        <a:ea typeface="Calibri" panose="020F0502020204030204" pitchFamily="34" charset="0"/>
+                        <a:cs typeface="Times New Roman" panose="02020603050405020304" pitchFamily="18" charset="0"/>
+                      </a:endParaRPr>
+                    </a:p>
+                  </a:txBody>
+                  <a:tcPr marL="68580" marR="68580" marT="0" marB="0"/>
+                </a:tc>
+                <a:tc>
+                  <a:txBody>
+                    <a:bodyPr/>
+                    <a:lstStyle/>
+                    <a:p>
+                      <a:pPr marL="0" marR="0">
+                        <a:lnSpc>
+                          <a:spcPct val="107000"/>
+                        </a:lnSpc>
+                        <a:spcBef>
+                          <a:spcPts val="0"/>
+                        </a:spcBef>
+                        <a:spcAft>
+                          <a:spcPts val="0"/>
+                        </a:spcAft>
+                      </a:pPr>
+                      <a:r>
+                        <a:rPr lang="en-US" sz="1000">
+                          <a:effectLst/>
+                        </a:rPr>
+                        <a:t>Break</a:t>
+                      </a:r>
+                      <a:endParaRPr lang="en-US" sz="1100">
+                        <a:effectLst/>
+                        <a:latin typeface="Calibri" panose="020F0502020204030204" pitchFamily="34" charset="0"/>
+                        <a:ea typeface="Calibri" panose="020F0502020204030204" pitchFamily="34" charset="0"/>
+                        <a:cs typeface="Times New Roman" panose="02020603050405020304" pitchFamily="18" charset="0"/>
+                      </a:endParaRPr>
+                    </a:p>
+                  </a:txBody>
+                  <a:tcPr marL="68580" marR="68580" marT="0" marB="0"/>
+                </a:tc>
+                <a:extLst>
+                  <a:ext uri="{0D108BD9-81ED-4DB2-BD59-A6C34878D82A}">
+                    <a16:rowId xmlns:a16="http://schemas.microsoft.com/office/drawing/2014/main" val="2210707666"/>
+                  </a:ext>
+                </a:extLst>
+              </a:tr>
+              <a:tr h="321001">
+                <a:tc>
+                  <a:txBody>
+                    <a:bodyPr/>
+                    <a:lstStyle/>
+                    <a:p>
+                      <a:pPr marL="0" marR="0">
+                        <a:lnSpc>
+                          <a:spcPct val="107000"/>
+                        </a:lnSpc>
+                        <a:spcBef>
+                          <a:spcPts val="0"/>
+                        </a:spcBef>
+                        <a:spcAft>
+                          <a:spcPts val="0"/>
+                        </a:spcAft>
+                      </a:pPr>
+                      <a:r>
+                        <a:rPr lang="en-US" sz="1100">
+                          <a:effectLst/>
+                        </a:rPr>
+                        <a:t>3:30-4:30 PM</a:t>
+                      </a:r>
+                      <a:endParaRPr lang="en-US" sz="1100">
+                        <a:effectLst/>
+                        <a:latin typeface="Calibri" panose="020F0502020204030204" pitchFamily="34" charset="0"/>
+                        <a:ea typeface="Calibri" panose="020F0502020204030204" pitchFamily="34" charset="0"/>
+                        <a:cs typeface="Times New Roman" panose="02020603050405020304" pitchFamily="18" charset="0"/>
+                      </a:endParaRPr>
+                    </a:p>
+                  </a:txBody>
+                  <a:tcPr marL="68580" marR="68580" marT="0" marB="0"/>
+                </a:tc>
+                <a:tc>
+                  <a:txBody>
+                    <a:bodyPr/>
+                    <a:lstStyle/>
+                    <a:p>
+                      <a:pPr marL="0" marR="0">
+                        <a:lnSpc>
+                          <a:spcPct val="107000"/>
+                        </a:lnSpc>
+                        <a:spcBef>
+                          <a:spcPts val="0"/>
+                        </a:spcBef>
+                        <a:spcAft>
+                          <a:spcPts val="0"/>
+                        </a:spcAft>
+                      </a:pPr>
+                      <a:r>
+                        <a:rPr lang="en-US" sz="1000">
+                          <a:effectLst/>
+                        </a:rPr>
+                        <a:t>Cognitive services for NLP (with optional lab)  </a:t>
+                      </a:r>
+                      <a:endParaRPr lang="en-US" sz="1100">
+                        <a:effectLst/>
+                        <a:latin typeface="Calibri" panose="020F0502020204030204" pitchFamily="34" charset="0"/>
+                        <a:ea typeface="Calibri" panose="020F0502020204030204" pitchFamily="34" charset="0"/>
+                        <a:cs typeface="Times New Roman" panose="02020603050405020304" pitchFamily="18" charset="0"/>
+                      </a:endParaRPr>
+                    </a:p>
+                  </a:txBody>
+                  <a:tcPr marL="68580" marR="68580" marT="0" marB="0"/>
+                </a:tc>
+                <a:extLst>
+                  <a:ext uri="{0D108BD9-81ED-4DB2-BD59-A6C34878D82A}">
+                    <a16:rowId xmlns:a16="http://schemas.microsoft.com/office/drawing/2014/main" val="2556467839"/>
+                  </a:ext>
+                </a:extLst>
+              </a:tr>
+              <a:tr h="291754">
+                <a:tc>
+                  <a:txBody>
+                    <a:bodyPr/>
+                    <a:lstStyle/>
+                    <a:p>
+                      <a:pPr marL="0" marR="0">
+                        <a:lnSpc>
+                          <a:spcPct val="107000"/>
+                        </a:lnSpc>
+                        <a:spcBef>
+                          <a:spcPts val="0"/>
+                        </a:spcBef>
+                        <a:spcAft>
+                          <a:spcPts val="0"/>
+                        </a:spcAft>
+                      </a:pPr>
+                      <a:r>
+                        <a:rPr lang="en-US" sz="1000">
+                          <a:effectLst/>
+                        </a:rPr>
+                        <a:t>4:30-5:00 PM</a:t>
+                      </a:r>
+                      <a:endParaRPr lang="en-US" sz="1100">
+                        <a:effectLst/>
+                        <a:latin typeface="Calibri" panose="020F0502020204030204" pitchFamily="34" charset="0"/>
+                        <a:ea typeface="Calibri" panose="020F0502020204030204" pitchFamily="34" charset="0"/>
+                        <a:cs typeface="Times New Roman" panose="02020603050405020304" pitchFamily="18" charset="0"/>
+                      </a:endParaRPr>
+                    </a:p>
+                  </a:txBody>
+                  <a:tcPr marL="68580" marR="68580" marT="0" marB="0"/>
+                </a:tc>
+                <a:tc>
+                  <a:txBody>
+                    <a:bodyPr/>
+                    <a:lstStyle/>
+                    <a:p>
+                      <a:pPr marL="0" marR="0">
+                        <a:lnSpc>
+                          <a:spcPct val="107000"/>
+                        </a:lnSpc>
+                        <a:spcBef>
+                          <a:spcPts val="0"/>
+                        </a:spcBef>
+                        <a:spcAft>
+                          <a:spcPts val="0"/>
+                        </a:spcAft>
+                      </a:pPr>
+                      <a:r>
+                        <a:rPr lang="en-US" sz="1000" dirty="0">
+                          <a:effectLst/>
+                        </a:rPr>
+                        <a:t>Conclusion -  Q&amp;A</a:t>
+                      </a:r>
+                      <a:endParaRPr lang="en-US" sz="1100" dirty="0">
+                        <a:effectLst/>
+                        <a:latin typeface="Calibri" panose="020F0502020204030204" pitchFamily="34" charset="0"/>
+                        <a:ea typeface="Calibri" panose="020F0502020204030204" pitchFamily="34" charset="0"/>
+                        <a:cs typeface="Times New Roman" panose="02020603050405020304" pitchFamily="18" charset="0"/>
+                      </a:endParaRPr>
+                    </a:p>
+                  </a:txBody>
+                  <a:tcPr marL="68580" marR="68580" marT="0" marB="0"/>
+                </a:tc>
+                <a:extLst>
+                  <a:ext uri="{0D108BD9-81ED-4DB2-BD59-A6C34878D82A}">
+                    <a16:rowId xmlns:a16="http://schemas.microsoft.com/office/drawing/2014/main" val="1053277251"/>
+                  </a:ext>
+                </a:extLst>
+              </a:tr>
+            </a:tbl>
+          </a:graphicData>
+        </a:graphic>
+      </p:graphicFrame>
+      <p:sp>
+        <p:nvSpPr>
+          <p:cNvPr id="10" name="Rectangle 2">
+            <a:extLst>
+              <a:ext uri="{FF2B5EF4-FFF2-40B4-BE49-F238E27FC236}">
+                <a16:creationId xmlns:a16="http://schemas.microsoft.com/office/drawing/2014/main" id="{A475B1C7-9361-A147-A139-FEA06BD62F85}"/>
+              </a:ext>
+            </a:extLst>
+          </p:cNvPr>
+          <p:cNvSpPr>
+            <a:spLocks noChangeArrowheads="1"/>
+          </p:cNvSpPr>
+          <p:nvPr/>
+        </p:nvSpPr>
+        <p:spPr bwMode="auto">
           <a:xfrm>
-            <a:off x="838200" y="1825624"/>
-            <a:ext cx="5181600" cy="4742443"/>
+            <a:off x="593889" y="1385119"/>
+            <a:ext cx="2780907" cy="261610"/>
           </a:xfrm>
+          <a:prstGeom prst="rect">
+            <a:avLst/>
+          </a:prstGeom>
+          <a:noFill/>
+          <a:ln>
+            <a:noFill/>
+          </a:ln>
+          <a:effectLst/>
+          <a:extLst>
+            <a:ext uri="{909E8E84-426E-40DD-AFC4-6F175D3DCCD1}">
+              <a14:hiddenFill xmlns:a14="http://schemas.microsoft.com/office/drawing/2010/main">
+                <a:solidFill>
+                  <a:schemeClr val="accent1"/>
+                </a:solidFill>
+              </a14:hiddenFill>
+            </a:ext>
+            <a:ext uri="{91240B29-F687-4F45-9708-019B960494DF}">
+              <a14:hiddenLine xmlns:a14="http://schemas.microsoft.com/office/drawing/2010/main" w="9525">
+                <a:solidFill>
+                  <a:schemeClr val="tx1"/>
+                </a:solidFill>
+                <a:miter lim="800000"/>
+                <a:headEnd/>
+                <a:tailEnd/>
+              </a14:hiddenLine>
+            </a:ext>
+            <a:ext uri="{AF507438-7753-43E0-B8FC-AC1667EBCBE1}">
+              <a14:hiddenEffects xmlns:a14="http://schemas.microsoft.com/office/drawing/2010/main">
+                <a:effectLst>
+                  <a:outerShdw dist="35921" dir="2700000" algn="ctr" rotWithShape="0">
+                    <a:schemeClr val="bg2"/>
+                  </a:outerShdw>
+                </a:effectLst>
+              </a14:hiddenEffects>
+            </a:ext>
+          </a:extLst>
         </p:spPr>
         <p:txBody>
-          <a:bodyPr>
-            <a:normAutofit fontScale="62500" lnSpcReduction="20000"/>
+          <a:bodyPr vert="horz" wrap="square" lIns="91440" tIns="45720" rIns="91440" bIns="45720" numCol="1" anchor="ctr" anchorCtr="0" compatLnSpc="1">
+            <a:prstTxWarp prst="textNoShape">
+              <a:avLst/>
+            </a:prstTxWarp>
+            <a:spAutoFit/>
           </a:bodyPr>
           <a:lstStyle/>
           <a:p>
-            <a:r>
-              <a:rPr lang="en-US" dirty="0"/>
-              <a:t>Day 1</a:t>
-            </a:r>
-            <a:endParaRPr lang="en-US" sz="6000" dirty="0"/>
-          </a:p>
-          <a:p>
-            <a:pPr lvl="1"/>
-            <a:r>
-              <a:rPr lang="en-US" dirty="0"/>
-              <a:t>Intro to Neural Networks (theory)</a:t>
-            </a:r>
-            <a:endParaRPr lang="en-US" sz="4800" dirty="0"/>
-          </a:p>
-          <a:p>
-            <a:pPr lvl="1"/>
-            <a:r>
-              <a:rPr lang="en-US" dirty="0"/>
-              <a:t>Lab1: setup</a:t>
-            </a:r>
-            <a:endParaRPr lang="en-US" sz="4800" dirty="0"/>
-          </a:p>
-          <a:p>
-            <a:pPr lvl="1"/>
-            <a:r>
-              <a:rPr lang="en-US" dirty="0"/>
-              <a:t>Intro to </a:t>
-            </a:r>
-            <a:r>
-              <a:rPr lang="en-US" dirty="0" err="1"/>
-              <a:t>Keras</a:t>
-            </a:r>
-            <a:r>
-              <a:rPr lang="en-US" dirty="0"/>
-              <a:t> library</a:t>
-            </a:r>
-            <a:endParaRPr lang="en-US" sz="4800" dirty="0"/>
-          </a:p>
-          <a:p>
-            <a:pPr lvl="1"/>
-            <a:r>
-              <a:rPr lang="en-US" dirty="0"/>
-              <a:t>Lab2: </a:t>
-            </a:r>
-            <a:r>
-              <a:rPr lang="en-US" dirty="0" err="1"/>
-              <a:t>Keras</a:t>
-            </a:r>
-            <a:r>
-              <a:rPr lang="en-US" dirty="0"/>
-              <a:t> – simple image classification on </a:t>
-            </a:r>
-            <a:r>
-              <a:rPr lang="en-US" dirty="0" err="1"/>
-              <a:t>mnist</a:t>
-            </a:r>
-            <a:r>
-              <a:rPr lang="en-US" dirty="0"/>
-              <a:t> dataset</a:t>
-            </a:r>
-            <a:endParaRPr lang="en-US" sz="4800" dirty="0"/>
-          </a:p>
-          <a:p>
-            <a:pPr lvl="1"/>
-            <a:r>
-              <a:rPr lang="en-US" dirty="0"/>
-              <a:t>Intro to Deep Neural Networks and Convolutional Neural Networks</a:t>
-            </a:r>
-            <a:endParaRPr lang="en-US" sz="4800" dirty="0"/>
-          </a:p>
-          <a:p>
-            <a:pPr lvl="1"/>
-            <a:r>
-              <a:rPr lang="en-US" dirty="0"/>
-              <a:t>Lab3: </a:t>
-            </a:r>
-            <a:r>
-              <a:rPr lang="en-US" dirty="0" err="1"/>
-              <a:t>Keras</a:t>
-            </a:r>
-            <a:r>
-              <a:rPr lang="en-US" dirty="0"/>
-              <a:t> – CNNs for image classification on fashion </a:t>
-            </a:r>
-            <a:r>
-              <a:rPr lang="en-US" dirty="0" err="1"/>
-              <a:t>mnist</a:t>
-            </a:r>
-            <a:r>
-              <a:rPr lang="en-US" dirty="0"/>
-              <a:t> dataset</a:t>
-            </a:r>
-            <a:endParaRPr lang="en-US" sz="4800" dirty="0"/>
-          </a:p>
-          <a:p>
-            <a:r>
-              <a:rPr lang="en-US" dirty="0"/>
-              <a:t>Day 2</a:t>
-            </a:r>
-            <a:endParaRPr lang="en-US" sz="6000" dirty="0"/>
-          </a:p>
-          <a:p>
-            <a:pPr lvl="1"/>
-            <a:r>
-              <a:rPr lang="en-US" dirty="0"/>
-              <a:t>Intro to Computational Network Toolkit</a:t>
-            </a:r>
-            <a:endParaRPr lang="en-US" sz="4800" dirty="0"/>
-          </a:p>
-          <a:p>
-            <a:pPr lvl="1"/>
-            <a:r>
-              <a:rPr lang="en-US" dirty="0"/>
-              <a:t>Lab4: CNTK with Cifar10 image classification</a:t>
-            </a:r>
-            <a:endParaRPr lang="en-US" sz="4800" dirty="0"/>
-          </a:p>
-          <a:p>
-            <a:pPr lvl="1"/>
-            <a:r>
-              <a:rPr lang="en-US" dirty="0"/>
-              <a:t>Transfer learning</a:t>
-            </a:r>
-            <a:endParaRPr lang="en-US" sz="4800" dirty="0"/>
-          </a:p>
-          <a:p>
-            <a:pPr lvl="1"/>
-            <a:r>
-              <a:rPr lang="en-US" dirty="0"/>
-              <a:t>Lab5: CNTK with transfer learning</a:t>
-            </a:r>
-            <a:endParaRPr lang="en-US" sz="4800" dirty="0"/>
-          </a:p>
-          <a:p>
-            <a:pPr lvl="1"/>
-            <a:r>
-              <a:rPr lang="en-US" dirty="0"/>
-              <a:t>Intro to Recurrent Neural Networks</a:t>
-            </a:r>
-          </a:p>
-          <a:p>
-            <a:pPr lvl="1"/>
-            <a:r>
-              <a:rPr lang="en-US" dirty="0"/>
-              <a:t>Lab6: Character models with char-</a:t>
-            </a:r>
-            <a:r>
-              <a:rPr lang="en-US" dirty="0" err="1"/>
-              <a:t>rnn</a:t>
-            </a:r>
-            <a:endParaRPr lang="en-US" sz="4800" dirty="0"/>
-          </a:p>
-          <a:p>
-            <a:pPr lvl="1"/>
-            <a:r>
-              <a:rPr lang="en-US" dirty="0"/>
-              <a:t>Word Embeddings</a:t>
-            </a:r>
-            <a:endParaRPr lang="en-US" sz="4800" dirty="0"/>
-          </a:p>
-          <a:p>
-            <a:pPr lvl="1"/>
-            <a:r>
-              <a:rPr lang="en-US" dirty="0"/>
-              <a:t>Lab7: LSTM with </a:t>
-            </a:r>
-            <a:r>
-              <a:rPr lang="en-US" dirty="0" err="1"/>
-              <a:t>Keras</a:t>
-            </a:r>
-            <a:r>
-              <a:rPr lang="en-US" dirty="0"/>
-              <a:t> and CNTK: sentiment analysis on </a:t>
-            </a:r>
-            <a:r>
-              <a:rPr lang="en-US" dirty="0" err="1"/>
-              <a:t>imdb</a:t>
-            </a:r>
-            <a:r>
-              <a:rPr lang="en-US" dirty="0"/>
-              <a:t> movie reviews</a:t>
-            </a:r>
-            <a:endParaRPr lang="en-US" sz="4800" dirty="0"/>
-          </a:p>
-        </p:txBody>
-      </p:sp>
-      <p:sp>
-        <p:nvSpPr>
-          <p:cNvPr id="4" name="Content Placeholder 3">
-            <a:extLst>
-              <a:ext uri="{FF2B5EF4-FFF2-40B4-BE49-F238E27FC236}">
-                <a16:creationId xmlns:a16="http://schemas.microsoft.com/office/drawing/2014/main" id="{DF333F37-6286-BE44-9C43-EEF6F99CDFAD}"/>
-              </a:ext>
-            </a:extLst>
-          </p:cNvPr>
-          <p:cNvSpPr>
-            <a:spLocks noGrp="1"/>
-          </p:cNvSpPr>
-          <p:nvPr>
-            <p:ph sz="half" idx="2"/>
-          </p:nvPr>
-        </p:nvSpPr>
-        <p:spPr>
+            <a:pPr marL="0" marR="0" lvl="0" indent="0" algn="l" defTabSz="914400" rtl="0" eaLnBrk="0" fontAlgn="base" latinLnBrk="0" hangingPunct="0">
+              <a:lnSpc>
+                <a:spcPct val="100000"/>
+              </a:lnSpc>
+              <a:spcBef>
+                <a:spcPct val="0"/>
+              </a:spcBef>
+              <a:spcAft>
+                <a:spcPct val="0"/>
+              </a:spcAft>
+              <a:buClrTx/>
+              <a:buSzTx/>
+              <a:buFontTx/>
+              <a:buNone/>
+              <a:tabLst/>
+            </a:pPr>
+            <a:r>
+              <a:rPr kumimoji="0" lang="en-US" altLang="en-US" sz="1100" b="1" i="0" u="none" strike="noStrike" cap="none" normalizeH="0" baseline="0" dirty="0">
+                <a:ln>
+                  <a:noFill/>
+                </a:ln>
+                <a:solidFill>
+                  <a:srgbClr val="3B3838"/>
+                </a:solidFill>
+                <a:effectLst/>
+                <a:latin typeface="Segoe UI"/>
+                <a:ea typeface="Calibri" panose="020F0502020204030204" pitchFamily="34" charset="0"/>
+              </a:rPr>
+              <a:t>Day 1 – Deep Learning &amp; Image Processing  </a:t>
+            </a:r>
+            <a:endParaRPr kumimoji="0" lang="en-US" altLang="en-US" sz="1800" b="0" i="0" u="none" strike="noStrike" cap="none" normalizeH="0" baseline="0" dirty="0">
+              <a:ln>
+                <a:noFill/>
+              </a:ln>
+              <a:solidFill>
+                <a:schemeClr val="tx1"/>
+              </a:solidFill>
+              <a:effectLst/>
+              <a:latin typeface="Arial" panose="020B0604020202020204" pitchFamily="34" charset="0"/>
+            </a:endParaRPr>
+          </a:p>
+        </p:txBody>
+      </p:sp>
+      <p:sp>
+        <p:nvSpPr>
+          <p:cNvPr id="12" name="Rectangle 3">
+            <a:extLst>
+              <a:ext uri="{FF2B5EF4-FFF2-40B4-BE49-F238E27FC236}">
+                <a16:creationId xmlns:a16="http://schemas.microsoft.com/office/drawing/2014/main" id="{719872EB-255A-0A4C-ADB8-601762A2CC11}"/>
+              </a:ext>
+            </a:extLst>
+          </p:cNvPr>
+          <p:cNvSpPr>
+            <a:spLocks noChangeArrowheads="1"/>
+          </p:cNvSpPr>
+          <p:nvPr/>
+        </p:nvSpPr>
+        <p:spPr bwMode="auto">
           <a:xfrm>
-            <a:off x="6172200" y="1825625"/>
-            <a:ext cx="5181600" cy="4351338"/>
+            <a:off x="6172202" y="1429079"/>
+            <a:ext cx="14063377" cy="261610"/>
           </a:xfrm>
+          <a:prstGeom prst="rect">
+            <a:avLst/>
+          </a:prstGeom>
+          <a:noFill/>
+          <a:ln>
+            <a:noFill/>
+          </a:ln>
+          <a:effectLst/>
+          <a:extLst>
+            <a:ext uri="{909E8E84-426E-40DD-AFC4-6F175D3DCCD1}">
+              <a14:hiddenFill xmlns:a14="http://schemas.microsoft.com/office/drawing/2010/main">
+                <a:solidFill>
+                  <a:schemeClr val="accent1"/>
+                </a:solidFill>
+              </a14:hiddenFill>
+            </a:ext>
+            <a:ext uri="{91240B29-F687-4F45-9708-019B960494DF}">
+              <a14:hiddenLine xmlns:a14="http://schemas.microsoft.com/office/drawing/2010/main" w="9525">
+                <a:solidFill>
+                  <a:schemeClr val="tx1"/>
+                </a:solidFill>
+                <a:miter lim="800000"/>
+                <a:headEnd/>
+                <a:tailEnd/>
+              </a14:hiddenLine>
+            </a:ext>
+            <a:ext uri="{AF507438-7753-43E0-B8FC-AC1667EBCBE1}">
+              <a14:hiddenEffects xmlns:a14="http://schemas.microsoft.com/office/drawing/2010/main">
+                <a:effectLst>
+                  <a:outerShdw dist="35921" dir="2700000" algn="ctr" rotWithShape="0">
+                    <a:schemeClr val="bg2"/>
+                  </a:outerShdw>
+                </a:effectLst>
+              </a14:hiddenEffects>
+            </a:ext>
+          </a:extLst>
         </p:spPr>
         <p:txBody>
-          <a:bodyPr>
-            <a:normAutofit fontScale="62500" lnSpcReduction="20000"/>
+          <a:bodyPr vert="horz" wrap="square" lIns="91440" tIns="45720" rIns="91440" bIns="45720" numCol="1" anchor="ctr" anchorCtr="0" compatLnSpc="1">
+            <a:prstTxWarp prst="textNoShape">
+              <a:avLst/>
+            </a:prstTxWarp>
+            <a:spAutoFit/>
           </a:bodyPr>
           <a:lstStyle/>
           <a:p>
-            <a:r>
-              <a:rPr lang="en-US" sz="2900" dirty="0"/>
-              <a:t>Day 3: </a:t>
-            </a:r>
-          </a:p>
-          <a:p>
-            <a:pPr lvl="1"/>
-            <a:r>
-              <a:rPr lang="en-US" sz="2600" dirty="0"/>
-              <a:t>Deployment of models using containers</a:t>
-            </a:r>
-          </a:p>
-          <a:p>
-            <a:pPr lvl="1"/>
-            <a:r>
-              <a:rPr lang="en-US" sz="2600" dirty="0"/>
-              <a:t>Deployment of models using </a:t>
-            </a:r>
-            <a:r>
-              <a:rPr lang="en-US" sz="2600" dirty="0" err="1"/>
-              <a:t>MLServer</a:t>
-            </a:r>
-            <a:endParaRPr lang="en-US" sz="2600" dirty="0"/>
-          </a:p>
-          <a:p>
-            <a:pPr lvl="1"/>
-            <a:r>
-              <a:rPr lang="en-US" sz="2600" dirty="0"/>
-              <a:t>Lab 8: Deploying a CNN model to ML cluster</a:t>
-            </a:r>
-          </a:p>
-          <a:p>
-            <a:pPr lvl="1"/>
-            <a:r>
-              <a:rPr lang="en-US" sz="2600" dirty="0"/>
-              <a:t>Introduction to Cognitive Services </a:t>
-            </a:r>
-          </a:p>
-          <a:p>
-            <a:pPr lvl="1"/>
-            <a:r>
-              <a:rPr lang="en-US" sz="2600" dirty="0"/>
-              <a:t>Introduction to Generative Adversarial Networks</a:t>
-            </a:r>
-          </a:p>
-          <a:p>
-            <a:pPr lvl="1"/>
-            <a:r>
-              <a:rPr lang="en-US" sz="2600" dirty="0"/>
-              <a:t>Lab9: Build a simple GAN</a:t>
-            </a:r>
-          </a:p>
-          <a:p>
-            <a:pPr lvl="1"/>
-            <a:r>
-              <a:rPr lang="en-US" sz="2600" dirty="0"/>
-              <a:t>Introduction to Reinforcement Learning</a:t>
-            </a:r>
-          </a:p>
-          <a:p>
-            <a:pPr lvl="1"/>
-            <a:r>
-              <a:rPr lang="en-US" sz="2600"/>
-              <a:t>Lab10: </a:t>
-            </a:r>
-            <a:r>
-              <a:rPr lang="en-US" sz="2600" dirty="0"/>
-              <a:t>A simple Q-learning RL model with CNTK</a:t>
-            </a:r>
-            <a:endParaRPr lang="en-US" sz="2200" dirty="0"/>
-          </a:p>
-          <a:p>
-            <a:pPr lvl="1"/>
-            <a:endParaRPr lang="en-US" sz="4800" dirty="0"/>
-          </a:p>
-          <a:p>
-            <a:endParaRPr lang="en-US" dirty="0"/>
+            <a:pPr marL="0" marR="0" lvl="0" indent="0" algn="l" defTabSz="914400" rtl="0" eaLnBrk="0" fontAlgn="base" latinLnBrk="0" hangingPunct="0">
+              <a:lnSpc>
+                <a:spcPct val="100000"/>
+              </a:lnSpc>
+              <a:spcBef>
+                <a:spcPct val="0"/>
+              </a:spcBef>
+              <a:spcAft>
+                <a:spcPct val="0"/>
+              </a:spcAft>
+              <a:buClrTx/>
+              <a:buSzTx/>
+              <a:buFontTx/>
+              <a:buNone/>
+              <a:tabLst/>
+            </a:pPr>
+            <a:r>
+              <a:rPr kumimoji="0" lang="en-US" altLang="en-US" sz="1100" b="1" i="0" u="none" strike="noStrike" cap="none" normalizeH="0" baseline="0" dirty="0">
+                <a:ln>
+                  <a:noFill/>
+                </a:ln>
+                <a:solidFill>
+                  <a:srgbClr val="3B3838"/>
+                </a:solidFill>
+                <a:effectLst/>
+                <a:latin typeface="Segoe UI" charset="0"/>
+                <a:ea typeface="Calibri" panose="020F0502020204030204" pitchFamily="34" charset="0"/>
+              </a:rPr>
+              <a:t>Day 2 – Deep Learning &amp; Natural Language Processing (NLP)  </a:t>
+            </a:r>
+            <a:endParaRPr kumimoji="0" lang="en-US" altLang="en-US" sz="1800" b="0" i="0" u="none" strike="noStrike" cap="none" normalizeH="0" baseline="0" dirty="0">
+              <a:ln>
+                <a:noFill/>
+              </a:ln>
+              <a:solidFill>
+                <a:schemeClr val="tx1"/>
+              </a:solidFill>
+              <a:effectLst/>
+              <a:latin typeface="Arial" panose="020B0604020202020204" pitchFamily="34" charset="0"/>
+            </a:endParaRPr>
           </a:p>
         </p:txBody>
       </p:sp>
     </p:spTree>
     <p:extLst>
       <p:ext uri="{BB962C8B-B14F-4D97-AF65-F5344CB8AC3E}">
-        <p14:creationId xmlns:p14="http://schemas.microsoft.com/office/powerpoint/2010/main" val="961279236"/>
+        <p14:creationId xmlns:p14="http://schemas.microsoft.com/office/powerpoint/2010/main" val="915976941"/>
       </p:ext>
     </p:extLst>
   </p:cSld>
